--- a/waf.pptx
+++ b/waf.pptx
@@ -5,12 +5,14 @@
     <p:sldMasterId id="2147483648" r:id="rId1"/>
   </p:sldMasterIdLst>
   <p:notesMasterIdLst>
-    <p:notesMasterId r:id="rId5"/>
+    <p:notesMasterId r:id="rId7"/>
   </p:notesMasterIdLst>
   <p:sldIdLst>
     <p:sldId id="256" r:id="rId2"/>
     <p:sldId id="257" r:id="rId3"/>
-    <p:sldId id="258" r:id="rId4"/>
+    <p:sldId id="259" r:id="rId4"/>
+    <p:sldId id="260" r:id="rId5"/>
+    <p:sldId id="258" r:id="rId6"/>
   </p:sldIdLst>
   <p:sldSz cx="12192000" cy="6858000"/>
   <p:notesSz cx="6858000" cy="9144000"/>
@@ -109,6 +111,11 @@
       </a:defRPr>
     </a:lvl9pPr>
   </p:defaultTextStyle>
+  <p:extLst>
+    <p:ext uri="{EFAFB233-063F-42B5-8137-9DF3F51BA10A}">
+      <p15:sldGuideLst xmlns:p15="http://schemas.microsoft.com/office/powerpoint/2012/main"/>
+    </p:ext>
+  </p:extLst>
 </p:presentation>
 </file>
 
@@ -1945,8 +1952,16 @@
         <a:lstStyle/>
         <a:p>
           <a:r>
-            <a:rPr lang="en-US"/>
-            <a:t>It can integrate with Cloudfront, Application Load Balancers and API Gateway</a:t>
+            <a:rPr lang="en-US" dirty="0"/>
+            <a:t>It can be associated with </a:t>
+          </a:r>
+          <a:r>
+            <a:rPr lang="en-US" dirty="0" err="1"/>
+            <a:t>Cloudfront</a:t>
+          </a:r>
+          <a:r>
+            <a:rPr lang="en-US" dirty="0"/>
+            <a:t> or Application Load Balancers</a:t>
           </a:r>
         </a:p>
       </dgm:t>
@@ -2288,45 +2303,6 @@
         </a:p>
       </dgm:t>
     </dgm:pt>
-    <dgm:pt modelId="{172A26AA-8637-4551-8F36-18AFBC7B5CFE}">
-      <dgm:prSet/>
-      <dgm:spPr/>
-      <dgm:t>
-        <a:bodyPr/>
-        <a:lstStyle/>
-        <a:p>
-          <a:r>
-            <a:rPr lang="en-US" dirty="0"/>
-            <a:t>We’re going to associate it with our application load balancer</a:t>
-          </a:r>
-        </a:p>
-      </dgm:t>
-    </dgm:pt>
-    <dgm:pt modelId="{465B20DE-99E0-4CEB-91F2-7D38701AB953}" type="parTrans" cxnId="{20705AEF-AA83-48B4-8C08-27D645E051B4}">
-      <dgm:prSet/>
-      <dgm:spPr/>
-      <dgm:t>
-        <a:bodyPr/>
-        <a:lstStyle/>
-        <a:p>
-          <a:endParaRPr lang="en-US"/>
-        </a:p>
-      </dgm:t>
-    </dgm:pt>
-    <dgm:pt modelId="{5168BE1B-9C28-422F-A425-F2086CFD0031}" type="sibTrans" cxnId="{20705AEF-AA83-48B4-8C08-27D645E051B4}">
-      <dgm:prSet phldrT="2" phldr="0"/>
-      <dgm:spPr/>
-      <dgm:t>
-        <a:bodyPr/>
-        <a:lstStyle/>
-        <a:p>
-          <a:r>
-            <a:rPr lang="en-US"/>
-            <a:t>2</a:t>
-          </a:r>
-        </a:p>
-      </dgm:t>
-    </dgm:pt>
     <dgm:pt modelId="{D87ECACA-FADB-42D1-8EC8-F810BFA02FD3}">
       <dgm:prSet/>
       <dgm:spPr/>
@@ -2336,7 +2312,7 @@
         <a:p>
           <a:r>
             <a:rPr lang="en-US" dirty="0"/>
-            <a:t>We’re going to apply a AWS managed rule set</a:t>
+            <a:t>We’re going to apply an AWS managed rule set</a:t>
           </a:r>
         </a:p>
       </dgm:t>
@@ -2353,7 +2329,7 @@
       </dgm:t>
     </dgm:pt>
     <dgm:pt modelId="{5D7B5BEF-730D-4A8F-8262-B35E59E8456D}" type="sibTrans" cxnId="{9BAF970C-E63E-4FEA-8D28-561D3C69B0BF}">
-      <dgm:prSet phldrT="3" phldr="0"/>
+      <dgm:prSet phldrT="2" phldr="0"/>
       <dgm:spPr/>
       <dgm:t>
         <a:bodyPr/>
@@ -2361,7 +2337,7 @@
         <a:p>
           <a:r>
             <a:rPr lang="en-US"/>
-            <a:t>3</a:t>
+            <a:t>2</a:t>
           </a:r>
         </a:p>
       </dgm:t>
@@ -2392,7 +2368,7 @@
       </dgm:t>
     </dgm:pt>
     <dgm:pt modelId="{8286E64C-1003-4967-BCDB-F49F90345637}" type="sibTrans" cxnId="{08E2C8A8-6640-4203-B3CB-DDD1FF659D76}">
-      <dgm:prSet phldrT="4" phldr="0"/>
+      <dgm:prSet phldrT="3" phldr="0"/>
       <dgm:spPr/>
       <dgm:t>
         <a:bodyPr/>
@@ -2400,7 +2376,7 @@
         <a:p>
           <a:r>
             <a:rPr lang="en-US"/>
-            <a:t>4</a:t>
+            <a:t>3</a:t>
           </a:r>
         </a:p>
       </dgm:t>
@@ -2423,11 +2399,11 @@
       <dgm:spPr/>
     </dgm:pt>
     <dgm:pt modelId="{091A37E9-2970-7042-A2AE-9DF701E58349}" type="pres">
-      <dgm:prSet presAssocID="{D5FBB75C-F173-4C55-8342-946BDF26F13C}" presName="bgRect" presStyleLbl="bgAccFollowNode1" presStyleIdx="0" presStyleCnt="4"/>
+      <dgm:prSet presAssocID="{D5FBB75C-F173-4C55-8342-946BDF26F13C}" presName="bgRect" presStyleLbl="bgAccFollowNode1" presStyleIdx="0" presStyleCnt="3"/>
       <dgm:spPr/>
     </dgm:pt>
     <dgm:pt modelId="{16D66264-D2DA-034C-B2B3-4BB7146C6347}" type="pres">
-      <dgm:prSet presAssocID="{A1B0E6E7-9400-4A11-8270-EC60254E2471}" presName="sibTransNodeCircle" presStyleLbl="alignNode1" presStyleIdx="0" presStyleCnt="8">
+      <dgm:prSet presAssocID="{A1B0E6E7-9400-4A11-8270-EC60254E2471}" presName="sibTransNodeCircle" presStyleLbl="alignNode1" presStyleIdx="0" presStyleCnt="6">
         <dgm:presLayoutVars>
           <dgm:chMax val="0"/>
           <dgm:bulletEnabled/>
@@ -2436,13 +2412,13 @@
       <dgm:spPr/>
     </dgm:pt>
     <dgm:pt modelId="{7E660E0E-7ADB-9546-8198-E2C08944320F}" type="pres">
-      <dgm:prSet presAssocID="{D5FBB75C-F173-4C55-8342-946BDF26F13C}" presName="bottomLine" presStyleLbl="alignNode1" presStyleIdx="1" presStyleCnt="8">
+      <dgm:prSet presAssocID="{D5FBB75C-F173-4C55-8342-946BDF26F13C}" presName="bottomLine" presStyleLbl="alignNode1" presStyleIdx="1" presStyleCnt="6">
         <dgm:presLayoutVars/>
       </dgm:prSet>
       <dgm:spPr/>
     </dgm:pt>
     <dgm:pt modelId="{1AA672CD-D53C-D245-A531-2D923BCA036E}" type="pres">
-      <dgm:prSet presAssocID="{D5FBB75C-F173-4C55-8342-946BDF26F13C}" presName="nodeText" presStyleLbl="bgAccFollowNode1" presStyleIdx="0" presStyleCnt="4">
+      <dgm:prSet presAssocID="{D5FBB75C-F173-4C55-8342-946BDF26F13C}" presName="nodeText" presStyleLbl="bgAccFollowNode1" presStyleIdx="0" presStyleCnt="3">
         <dgm:presLayoutVars>
           <dgm:bulletEnabled val="1"/>
         </dgm:presLayoutVars>
@@ -2451,45 +2427,6 @@
     </dgm:pt>
     <dgm:pt modelId="{66124F85-1C4D-6B4A-99E4-8F9F9165EFFA}" type="pres">
       <dgm:prSet presAssocID="{A1B0E6E7-9400-4A11-8270-EC60254E2471}" presName="sibTrans" presStyleCnt="0"/>
-      <dgm:spPr/>
-    </dgm:pt>
-    <dgm:pt modelId="{E34475AA-658C-A44F-B69B-4512C9DA1EF8}" type="pres">
-      <dgm:prSet presAssocID="{172A26AA-8637-4551-8F36-18AFBC7B5CFE}" presName="compositeNode" presStyleCnt="0">
-        <dgm:presLayoutVars>
-          <dgm:bulletEnabled val="1"/>
-        </dgm:presLayoutVars>
-      </dgm:prSet>
-      <dgm:spPr/>
-    </dgm:pt>
-    <dgm:pt modelId="{8401F329-4A99-D542-BCEE-B64BEB326679}" type="pres">
-      <dgm:prSet presAssocID="{172A26AA-8637-4551-8F36-18AFBC7B5CFE}" presName="bgRect" presStyleLbl="bgAccFollowNode1" presStyleIdx="1" presStyleCnt="4"/>
-      <dgm:spPr/>
-    </dgm:pt>
-    <dgm:pt modelId="{1D62AE0C-DA06-094F-BB8C-D716F0363FBB}" type="pres">
-      <dgm:prSet presAssocID="{5168BE1B-9C28-422F-A425-F2086CFD0031}" presName="sibTransNodeCircle" presStyleLbl="alignNode1" presStyleIdx="2" presStyleCnt="8">
-        <dgm:presLayoutVars>
-          <dgm:chMax val="0"/>
-          <dgm:bulletEnabled/>
-        </dgm:presLayoutVars>
-      </dgm:prSet>
-      <dgm:spPr/>
-    </dgm:pt>
-    <dgm:pt modelId="{97954ECB-FBB1-F540-8CF3-3F142972D769}" type="pres">
-      <dgm:prSet presAssocID="{172A26AA-8637-4551-8F36-18AFBC7B5CFE}" presName="bottomLine" presStyleLbl="alignNode1" presStyleIdx="3" presStyleCnt="8">
-        <dgm:presLayoutVars/>
-      </dgm:prSet>
-      <dgm:spPr/>
-    </dgm:pt>
-    <dgm:pt modelId="{AE1160E4-C82C-FC46-93FB-AFA98D0B2315}" type="pres">
-      <dgm:prSet presAssocID="{172A26AA-8637-4551-8F36-18AFBC7B5CFE}" presName="nodeText" presStyleLbl="bgAccFollowNode1" presStyleIdx="1" presStyleCnt="4">
-        <dgm:presLayoutVars>
-          <dgm:bulletEnabled val="1"/>
-        </dgm:presLayoutVars>
-      </dgm:prSet>
-      <dgm:spPr/>
-    </dgm:pt>
-    <dgm:pt modelId="{1AFB17A0-B06F-DB4E-8281-3467F8340D09}" type="pres">
-      <dgm:prSet presAssocID="{5168BE1B-9C28-422F-A425-F2086CFD0031}" presName="sibTrans" presStyleCnt="0"/>
       <dgm:spPr/>
     </dgm:pt>
     <dgm:pt modelId="{E0743D3A-78E7-7B47-80DC-F92333E1189D}" type="pres">
@@ -2501,11 +2438,11 @@
       <dgm:spPr/>
     </dgm:pt>
     <dgm:pt modelId="{7C750ED5-65FD-024D-BA5E-16BBBCE599D8}" type="pres">
-      <dgm:prSet presAssocID="{D87ECACA-FADB-42D1-8EC8-F810BFA02FD3}" presName="bgRect" presStyleLbl="bgAccFollowNode1" presStyleIdx="2" presStyleCnt="4"/>
+      <dgm:prSet presAssocID="{D87ECACA-FADB-42D1-8EC8-F810BFA02FD3}" presName="bgRect" presStyleLbl="bgAccFollowNode1" presStyleIdx="1" presStyleCnt="3"/>
       <dgm:spPr/>
     </dgm:pt>
     <dgm:pt modelId="{2CA3B097-C20D-E14E-A22B-AF1DCE49E51C}" type="pres">
-      <dgm:prSet presAssocID="{5D7B5BEF-730D-4A8F-8262-B35E59E8456D}" presName="sibTransNodeCircle" presStyleLbl="alignNode1" presStyleIdx="4" presStyleCnt="8">
+      <dgm:prSet presAssocID="{5D7B5BEF-730D-4A8F-8262-B35E59E8456D}" presName="sibTransNodeCircle" presStyleLbl="alignNode1" presStyleIdx="2" presStyleCnt="6">
         <dgm:presLayoutVars>
           <dgm:chMax val="0"/>
           <dgm:bulletEnabled/>
@@ -2514,13 +2451,13 @@
       <dgm:spPr/>
     </dgm:pt>
     <dgm:pt modelId="{43D189D2-CC92-B947-9953-B0F51EA85FA2}" type="pres">
-      <dgm:prSet presAssocID="{D87ECACA-FADB-42D1-8EC8-F810BFA02FD3}" presName="bottomLine" presStyleLbl="alignNode1" presStyleIdx="5" presStyleCnt="8">
+      <dgm:prSet presAssocID="{D87ECACA-FADB-42D1-8EC8-F810BFA02FD3}" presName="bottomLine" presStyleLbl="alignNode1" presStyleIdx="3" presStyleCnt="6">
         <dgm:presLayoutVars/>
       </dgm:prSet>
       <dgm:spPr/>
     </dgm:pt>
     <dgm:pt modelId="{5FCA5E45-7772-6441-824C-E375DA0BFF74}" type="pres">
-      <dgm:prSet presAssocID="{D87ECACA-FADB-42D1-8EC8-F810BFA02FD3}" presName="nodeText" presStyleLbl="bgAccFollowNode1" presStyleIdx="2" presStyleCnt="4">
+      <dgm:prSet presAssocID="{D87ECACA-FADB-42D1-8EC8-F810BFA02FD3}" presName="nodeText" presStyleLbl="bgAccFollowNode1" presStyleIdx="1" presStyleCnt="3">
         <dgm:presLayoutVars>
           <dgm:bulletEnabled val="1"/>
         </dgm:presLayoutVars>
@@ -2540,11 +2477,11 @@
       <dgm:spPr/>
     </dgm:pt>
     <dgm:pt modelId="{456615F4-65B5-374A-9A76-59548316DCB5}" type="pres">
-      <dgm:prSet presAssocID="{E5FE2F1C-E962-4C35-B9AB-A975A9609700}" presName="bgRect" presStyleLbl="bgAccFollowNode1" presStyleIdx="3" presStyleCnt="4"/>
+      <dgm:prSet presAssocID="{E5FE2F1C-E962-4C35-B9AB-A975A9609700}" presName="bgRect" presStyleLbl="bgAccFollowNode1" presStyleIdx="2" presStyleCnt="3"/>
       <dgm:spPr/>
     </dgm:pt>
     <dgm:pt modelId="{3D2B7E5C-C074-F94F-B87A-5CF118B7511D}" type="pres">
-      <dgm:prSet presAssocID="{8286E64C-1003-4967-BCDB-F49F90345637}" presName="sibTransNodeCircle" presStyleLbl="alignNode1" presStyleIdx="6" presStyleCnt="8">
+      <dgm:prSet presAssocID="{8286E64C-1003-4967-BCDB-F49F90345637}" presName="sibTransNodeCircle" presStyleLbl="alignNode1" presStyleIdx="4" presStyleCnt="6">
         <dgm:presLayoutVars>
           <dgm:chMax val="0"/>
           <dgm:bulletEnabled/>
@@ -2553,13 +2490,13 @@
       <dgm:spPr/>
     </dgm:pt>
     <dgm:pt modelId="{E2AED168-745B-1140-AF0B-DAC39DBCEA3E}" type="pres">
-      <dgm:prSet presAssocID="{E5FE2F1C-E962-4C35-B9AB-A975A9609700}" presName="bottomLine" presStyleLbl="alignNode1" presStyleIdx="7" presStyleCnt="8">
+      <dgm:prSet presAssocID="{E5FE2F1C-E962-4C35-B9AB-A975A9609700}" presName="bottomLine" presStyleLbl="alignNode1" presStyleIdx="5" presStyleCnt="6">
         <dgm:presLayoutVars/>
       </dgm:prSet>
       <dgm:spPr/>
     </dgm:pt>
     <dgm:pt modelId="{4F4F12EF-D4DC-0740-AAF3-BADAA92E16A7}" type="pres">
-      <dgm:prSet presAssocID="{E5FE2F1C-E962-4C35-B9AB-A975A9609700}" presName="nodeText" presStyleLbl="bgAccFollowNode1" presStyleIdx="3" presStyleCnt="4">
+      <dgm:prSet presAssocID="{E5FE2F1C-E962-4C35-B9AB-A975A9609700}" presName="nodeText" presStyleLbl="bgAccFollowNode1" presStyleIdx="2" presStyleCnt="3">
         <dgm:presLayoutVars>
           <dgm:bulletEnabled val="1"/>
         </dgm:presLayoutVars>
@@ -2568,42 +2505,32 @@
     </dgm:pt>
   </dgm:ptLst>
   <dgm:cxnLst>
-    <dgm:cxn modelId="{9BAF970C-E63E-4FEA-8D28-561D3C69B0BF}" srcId="{BEE50E37-0BF3-4BEE-B434-664115BB2D94}" destId="{D87ECACA-FADB-42D1-8EC8-F810BFA02FD3}" srcOrd="2" destOrd="0" parTransId="{B1F66776-C214-407C-8550-FCED596F1177}" sibTransId="{5D7B5BEF-730D-4A8F-8262-B35E59E8456D}"/>
+    <dgm:cxn modelId="{9BAF970C-E63E-4FEA-8D28-561D3C69B0BF}" srcId="{BEE50E37-0BF3-4BEE-B434-664115BB2D94}" destId="{D87ECACA-FADB-42D1-8EC8-F810BFA02FD3}" srcOrd="1" destOrd="0" parTransId="{B1F66776-C214-407C-8550-FCED596F1177}" sibTransId="{5D7B5BEF-730D-4A8F-8262-B35E59E8456D}"/>
     <dgm:cxn modelId="{0849BD14-AD26-0E46-9B1F-2E17B58A4A4E}" type="presOf" srcId="{D87ECACA-FADB-42D1-8EC8-F810BFA02FD3}" destId="{5FCA5E45-7772-6441-824C-E375DA0BFF74}" srcOrd="1" destOrd="0" presId="urn:microsoft.com/office/officeart/2016/7/layout/BasicLinearProcessNumbered"/>
-    <dgm:cxn modelId="{88167755-44B6-F84D-BC3D-7F0AAB07C0F9}" type="presOf" srcId="{5168BE1B-9C28-422F-A425-F2086CFD0031}" destId="{1D62AE0C-DA06-094F-BB8C-D716F0363FBB}" srcOrd="0" destOrd="0" presId="urn:microsoft.com/office/officeart/2016/7/layout/BasicLinearProcessNumbered"/>
     <dgm:cxn modelId="{23177C61-23ED-054C-BAF9-CEFA11FF5AAA}" type="presOf" srcId="{5D7B5BEF-730D-4A8F-8262-B35E59E8456D}" destId="{2CA3B097-C20D-E14E-A22B-AF1DCE49E51C}" srcOrd="0" destOrd="0" presId="urn:microsoft.com/office/officeart/2016/7/layout/BasicLinearProcessNumbered"/>
     <dgm:cxn modelId="{17353768-8923-0F4B-8300-6F8ECE2A345B}" type="presOf" srcId="{E5FE2F1C-E962-4C35-B9AB-A975A9609700}" destId="{456615F4-65B5-374A-9A76-59548316DCB5}" srcOrd="0" destOrd="0" presId="urn:microsoft.com/office/officeart/2016/7/layout/BasicLinearProcessNumbered"/>
     <dgm:cxn modelId="{67766472-57DC-7940-BFBB-0A52E3620665}" type="presOf" srcId="{D5FBB75C-F173-4C55-8342-946BDF26F13C}" destId="{1AA672CD-D53C-D245-A531-2D923BCA036E}" srcOrd="1" destOrd="0" presId="urn:microsoft.com/office/officeart/2016/7/layout/BasicLinearProcessNumbered"/>
-    <dgm:cxn modelId="{F74BE97D-B603-8848-807F-A13806A419FC}" type="presOf" srcId="{172A26AA-8637-4551-8F36-18AFBC7B5CFE}" destId="{8401F329-4A99-D542-BCEE-B64BEB326679}" srcOrd="0" destOrd="0" presId="urn:microsoft.com/office/officeart/2016/7/layout/BasicLinearProcessNumbered"/>
     <dgm:cxn modelId="{2B80E393-3031-2842-933C-242543C4D920}" type="presOf" srcId="{E5FE2F1C-E962-4C35-B9AB-A975A9609700}" destId="{4F4F12EF-D4DC-0740-AAF3-BADAA92E16A7}" srcOrd="1" destOrd="0" presId="urn:microsoft.com/office/officeart/2016/7/layout/BasicLinearProcessNumbered"/>
     <dgm:cxn modelId="{C99DA8A7-FFB7-7F43-A1AA-52F53EBBE9FC}" type="presOf" srcId="{8286E64C-1003-4967-BCDB-F49F90345637}" destId="{3D2B7E5C-C074-F94F-B87A-5CF118B7511D}" srcOrd="0" destOrd="0" presId="urn:microsoft.com/office/officeart/2016/7/layout/BasicLinearProcessNumbered"/>
-    <dgm:cxn modelId="{08E2C8A8-6640-4203-B3CB-DDD1FF659D76}" srcId="{BEE50E37-0BF3-4BEE-B434-664115BB2D94}" destId="{E5FE2F1C-E962-4C35-B9AB-A975A9609700}" srcOrd="3" destOrd="0" parTransId="{7C1F9D2C-D495-46D9-BF7B-356A0356B85A}" sibTransId="{8286E64C-1003-4967-BCDB-F49F90345637}"/>
+    <dgm:cxn modelId="{08E2C8A8-6640-4203-B3CB-DDD1FF659D76}" srcId="{BEE50E37-0BF3-4BEE-B434-664115BB2D94}" destId="{E5FE2F1C-E962-4C35-B9AB-A975A9609700}" srcOrd="2" destOrd="0" parTransId="{7C1F9D2C-D495-46D9-BF7B-356A0356B85A}" sibTransId="{8286E64C-1003-4967-BCDB-F49F90345637}"/>
     <dgm:cxn modelId="{251EA3B3-48D8-E945-8F18-349F6895B439}" type="presOf" srcId="{A1B0E6E7-9400-4A11-8270-EC60254E2471}" destId="{16D66264-D2DA-034C-B2B3-4BB7146C6347}" srcOrd="0" destOrd="0" presId="urn:microsoft.com/office/officeart/2016/7/layout/BasicLinearProcessNumbered"/>
     <dgm:cxn modelId="{A39574B7-FAD4-DC4D-BAA4-9FEC30989698}" type="presOf" srcId="{D87ECACA-FADB-42D1-8EC8-F810BFA02FD3}" destId="{7C750ED5-65FD-024D-BA5E-16BBBCE599D8}" srcOrd="0" destOrd="0" presId="urn:microsoft.com/office/officeart/2016/7/layout/BasicLinearProcessNumbered"/>
     <dgm:cxn modelId="{9ABE61C8-9875-5A40-9CED-8D059F63F275}" type="presOf" srcId="{D5FBB75C-F173-4C55-8342-946BDF26F13C}" destId="{091A37E9-2970-7042-A2AE-9DF701E58349}" srcOrd="0" destOrd="0" presId="urn:microsoft.com/office/officeart/2016/7/layout/BasicLinearProcessNumbered"/>
     <dgm:cxn modelId="{924C04D1-E6CC-3E48-88D7-16218BB298B3}" type="presOf" srcId="{BEE50E37-0BF3-4BEE-B434-664115BB2D94}" destId="{1D1DFF83-198D-754D-A2AD-8AFAA72E51D7}" srcOrd="0" destOrd="0" presId="urn:microsoft.com/office/officeart/2016/7/layout/BasicLinearProcessNumbered"/>
     <dgm:cxn modelId="{D8BE5AD5-046B-4257-90F4-21C353BB46FB}" srcId="{BEE50E37-0BF3-4BEE-B434-664115BB2D94}" destId="{D5FBB75C-F173-4C55-8342-946BDF26F13C}" srcOrd="0" destOrd="0" parTransId="{7B2D5164-108A-43B2-851C-8A1805DB221E}" sibTransId="{A1B0E6E7-9400-4A11-8270-EC60254E2471}"/>
-    <dgm:cxn modelId="{20705AEF-AA83-48B4-8C08-27D645E051B4}" srcId="{BEE50E37-0BF3-4BEE-B434-664115BB2D94}" destId="{172A26AA-8637-4551-8F36-18AFBC7B5CFE}" srcOrd="1" destOrd="0" parTransId="{465B20DE-99E0-4CEB-91F2-7D38701AB953}" sibTransId="{5168BE1B-9C28-422F-A425-F2086CFD0031}"/>
-    <dgm:cxn modelId="{CD8F3DF1-1F91-2448-A77C-CFAA1290DC28}" type="presOf" srcId="{172A26AA-8637-4551-8F36-18AFBC7B5CFE}" destId="{AE1160E4-C82C-FC46-93FB-AFA98D0B2315}" srcOrd="1" destOrd="0" presId="urn:microsoft.com/office/officeart/2016/7/layout/BasicLinearProcessNumbered"/>
     <dgm:cxn modelId="{2E855074-C6BE-5D45-9A3F-B0E902D334CB}" type="presParOf" srcId="{1D1DFF83-198D-754D-A2AD-8AFAA72E51D7}" destId="{179D37C7-C093-9541-9375-5C7896ED9ED0}" srcOrd="0" destOrd="0" presId="urn:microsoft.com/office/officeart/2016/7/layout/BasicLinearProcessNumbered"/>
     <dgm:cxn modelId="{5AAD887B-DC93-C14F-B67B-4604DC560636}" type="presParOf" srcId="{179D37C7-C093-9541-9375-5C7896ED9ED0}" destId="{091A37E9-2970-7042-A2AE-9DF701E58349}" srcOrd="0" destOrd="0" presId="urn:microsoft.com/office/officeart/2016/7/layout/BasicLinearProcessNumbered"/>
     <dgm:cxn modelId="{E2A14903-F4C2-CF4F-8BFE-9DF87CAA780A}" type="presParOf" srcId="{179D37C7-C093-9541-9375-5C7896ED9ED0}" destId="{16D66264-D2DA-034C-B2B3-4BB7146C6347}" srcOrd="1" destOrd="0" presId="urn:microsoft.com/office/officeart/2016/7/layout/BasicLinearProcessNumbered"/>
     <dgm:cxn modelId="{17C56F4C-778A-4143-91C6-B1D77F7CECCC}" type="presParOf" srcId="{179D37C7-C093-9541-9375-5C7896ED9ED0}" destId="{7E660E0E-7ADB-9546-8198-E2C08944320F}" srcOrd="2" destOrd="0" presId="urn:microsoft.com/office/officeart/2016/7/layout/BasicLinearProcessNumbered"/>
     <dgm:cxn modelId="{334078AE-F2C5-4B4E-B21C-E274C48C1F27}" type="presParOf" srcId="{179D37C7-C093-9541-9375-5C7896ED9ED0}" destId="{1AA672CD-D53C-D245-A531-2D923BCA036E}" srcOrd="3" destOrd="0" presId="urn:microsoft.com/office/officeart/2016/7/layout/BasicLinearProcessNumbered"/>
     <dgm:cxn modelId="{4A700E95-DC8B-AA4B-AACA-003D5E87710A}" type="presParOf" srcId="{1D1DFF83-198D-754D-A2AD-8AFAA72E51D7}" destId="{66124F85-1C4D-6B4A-99E4-8F9F9165EFFA}" srcOrd="1" destOrd="0" presId="urn:microsoft.com/office/officeart/2016/7/layout/BasicLinearProcessNumbered"/>
-    <dgm:cxn modelId="{69DE4F67-7BCB-7448-BC77-6C9EE06FF8F6}" type="presParOf" srcId="{1D1DFF83-198D-754D-A2AD-8AFAA72E51D7}" destId="{E34475AA-658C-A44F-B69B-4512C9DA1EF8}" srcOrd="2" destOrd="0" presId="urn:microsoft.com/office/officeart/2016/7/layout/BasicLinearProcessNumbered"/>
-    <dgm:cxn modelId="{3421C184-8B08-1546-B158-422AB74CA0DA}" type="presParOf" srcId="{E34475AA-658C-A44F-B69B-4512C9DA1EF8}" destId="{8401F329-4A99-D542-BCEE-B64BEB326679}" srcOrd="0" destOrd="0" presId="urn:microsoft.com/office/officeart/2016/7/layout/BasicLinearProcessNumbered"/>
-    <dgm:cxn modelId="{DFA0D01C-D5FD-0448-96A9-30FCDF3DF3AB}" type="presParOf" srcId="{E34475AA-658C-A44F-B69B-4512C9DA1EF8}" destId="{1D62AE0C-DA06-094F-BB8C-D716F0363FBB}" srcOrd="1" destOrd="0" presId="urn:microsoft.com/office/officeart/2016/7/layout/BasicLinearProcessNumbered"/>
-    <dgm:cxn modelId="{7CAA1B2C-E0D5-9640-9EFD-E2FF22C0175D}" type="presParOf" srcId="{E34475AA-658C-A44F-B69B-4512C9DA1EF8}" destId="{97954ECB-FBB1-F540-8CF3-3F142972D769}" srcOrd="2" destOrd="0" presId="urn:microsoft.com/office/officeart/2016/7/layout/BasicLinearProcessNumbered"/>
-    <dgm:cxn modelId="{B5B98734-1161-4044-B860-78BAC3197AC5}" type="presParOf" srcId="{E34475AA-658C-A44F-B69B-4512C9DA1EF8}" destId="{AE1160E4-C82C-FC46-93FB-AFA98D0B2315}" srcOrd="3" destOrd="0" presId="urn:microsoft.com/office/officeart/2016/7/layout/BasicLinearProcessNumbered"/>
-    <dgm:cxn modelId="{C2417E51-6912-E140-B453-FAB18698A056}" type="presParOf" srcId="{1D1DFF83-198D-754D-A2AD-8AFAA72E51D7}" destId="{1AFB17A0-B06F-DB4E-8281-3467F8340D09}" srcOrd="3" destOrd="0" presId="urn:microsoft.com/office/officeart/2016/7/layout/BasicLinearProcessNumbered"/>
-    <dgm:cxn modelId="{9D799D40-D0E4-0C4D-9B5B-1B2DD6D20E48}" type="presParOf" srcId="{1D1DFF83-198D-754D-A2AD-8AFAA72E51D7}" destId="{E0743D3A-78E7-7B47-80DC-F92333E1189D}" srcOrd="4" destOrd="0" presId="urn:microsoft.com/office/officeart/2016/7/layout/BasicLinearProcessNumbered"/>
+    <dgm:cxn modelId="{9D799D40-D0E4-0C4D-9B5B-1B2DD6D20E48}" type="presParOf" srcId="{1D1DFF83-198D-754D-A2AD-8AFAA72E51D7}" destId="{E0743D3A-78E7-7B47-80DC-F92333E1189D}" srcOrd="2" destOrd="0" presId="urn:microsoft.com/office/officeart/2016/7/layout/BasicLinearProcessNumbered"/>
     <dgm:cxn modelId="{7B01A5EF-999D-F14C-A0EF-D815BCD305D6}" type="presParOf" srcId="{E0743D3A-78E7-7B47-80DC-F92333E1189D}" destId="{7C750ED5-65FD-024D-BA5E-16BBBCE599D8}" srcOrd="0" destOrd="0" presId="urn:microsoft.com/office/officeart/2016/7/layout/BasicLinearProcessNumbered"/>
     <dgm:cxn modelId="{E34692FA-0A87-154D-B5AC-7C83A3D9D1D3}" type="presParOf" srcId="{E0743D3A-78E7-7B47-80DC-F92333E1189D}" destId="{2CA3B097-C20D-E14E-A22B-AF1DCE49E51C}" srcOrd="1" destOrd="0" presId="urn:microsoft.com/office/officeart/2016/7/layout/BasicLinearProcessNumbered"/>
     <dgm:cxn modelId="{E56D4F7F-3EA4-AE46-83F7-6FB77CF5A076}" type="presParOf" srcId="{E0743D3A-78E7-7B47-80DC-F92333E1189D}" destId="{43D189D2-CC92-B947-9953-B0F51EA85FA2}" srcOrd="2" destOrd="0" presId="urn:microsoft.com/office/officeart/2016/7/layout/BasicLinearProcessNumbered"/>
     <dgm:cxn modelId="{C2610D1A-48D0-4F4F-91DD-8B155AC97BA6}" type="presParOf" srcId="{E0743D3A-78E7-7B47-80DC-F92333E1189D}" destId="{5FCA5E45-7772-6441-824C-E375DA0BFF74}" srcOrd="3" destOrd="0" presId="urn:microsoft.com/office/officeart/2016/7/layout/BasicLinearProcessNumbered"/>
-    <dgm:cxn modelId="{2CDE1941-CE2D-0545-906B-D68B90D71100}" type="presParOf" srcId="{1D1DFF83-198D-754D-A2AD-8AFAA72E51D7}" destId="{9C17447B-D12A-B44F-A3B2-CA33996ABDDC}" srcOrd="5" destOrd="0" presId="urn:microsoft.com/office/officeart/2016/7/layout/BasicLinearProcessNumbered"/>
-    <dgm:cxn modelId="{F2F58DB7-379E-C745-8330-5EA48A207300}" type="presParOf" srcId="{1D1DFF83-198D-754D-A2AD-8AFAA72E51D7}" destId="{C01968BD-9BFD-B040-85E2-FD609D056545}" srcOrd="6" destOrd="0" presId="urn:microsoft.com/office/officeart/2016/7/layout/BasicLinearProcessNumbered"/>
+    <dgm:cxn modelId="{2CDE1941-CE2D-0545-906B-D68B90D71100}" type="presParOf" srcId="{1D1DFF83-198D-754D-A2AD-8AFAA72E51D7}" destId="{9C17447B-D12A-B44F-A3B2-CA33996ABDDC}" srcOrd="3" destOrd="0" presId="urn:microsoft.com/office/officeart/2016/7/layout/BasicLinearProcessNumbered"/>
+    <dgm:cxn modelId="{F2F58DB7-379E-C745-8330-5EA48A207300}" type="presParOf" srcId="{1D1DFF83-198D-754D-A2AD-8AFAA72E51D7}" destId="{C01968BD-9BFD-B040-85E2-FD609D056545}" srcOrd="4" destOrd="0" presId="urn:microsoft.com/office/officeart/2016/7/layout/BasicLinearProcessNumbered"/>
     <dgm:cxn modelId="{DF99877E-F821-1242-B5F7-8828033EB719}" type="presParOf" srcId="{C01968BD-9BFD-B040-85E2-FD609D056545}" destId="{456615F4-65B5-374A-9A76-59548316DCB5}" srcOrd="0" destOrd="0" presId="urn:microsoft.com/office/officeart/2016/7/layout/BasicLinearProcessNumbered"/>
     <dgm:cxn modelId="{AEE86740-8753-A448-B8A7-863727D4E41D}" type="presParOf" srcId="{C01968BD-9BFD-B040-85E2-FD609D056545}" destId="{3D2B7E5C-C074-F94F-B87A-5CF118B7511D}" srcOrd="1" destOrd="0" presId="urn:microsoft.com/office/officeart/2016/7/layout/BasicLinearProcessNumbered"/>
     <dgm:cxn modelId="{E722A314-A2FF-3842-9244-D18C412CC46F}" type="presParOf" srcId="{C01968BD-9BFD-B040-85E2-FD609D056545}" destId="{E2AED168-745B-1140-AF0B-DAC39DBCEA3E}" srcOrd="2" destOrd="0" presId="urn:microsoft.com/office/officeart/2016/7/layout/BasicLinearProcessNumbered"/>
@@ -3217,8 +3144,16 @@
             <a:buNone/>
           </a:pPr>
           <a:r>
-            <a:rPr lang="en-US" sz="1700" kern="1200"/>
-            <a:t>It can integrate with Cloudfront, Application Load Balancers and API Gateway</a:t>
+            <a:rPr lang="en-US" sz="1700" kern="1200" dirty="0"/>
+            <a:t>It can be associated with </a:t>
+          </a:r>
+          <a:r>
+            <a:rPr lang="en-US" sz="1700" kern="1200" dirty="0" err="1"/>
+            <a:t>Cloudfront</a:t>
+          </a:r>
+          <a:r>
+            <a:rPr lang="en-US" sz="1700" kern="1200" dirty="0"/>
+            <a:t> or Application Load Balancers</a:t>
           </a:r>
         </a:p>
       </dsp:txBody>
@@ -3246,8 +3181,8 @@
       </dsp:nvSpPr>
       <dsp:spPr>
         <a:xfrm>
-          <a:off x="3091" y="0"/>
-          <a:ext cx="2452910" cy="3310816"/>
+          <a:off x="0" y="0"/>
+          <a:ext cx="3298031" cy="3310816"/>
         </a:xfrm>
         <a:prstGeom prst="rect">
           <a:avLst/>
@@ -3290,12 +3225,12 @@
         <a:fontRef idx="minor"/>
       </dsp:style>
       <dsp:txBody>
-        <a:bodyPr spcFirstLastPara="0" vert="horz" wrap="square" lIns="191238" tIns="330200" rIns="191238" bIns="330200" numCol="1" spcCol="1270" anchor="t" anchorCtr="0">
+        <a:bodyPr spcFirstLastPara="0" vert="horz" wrap="square" lIns="257127" tIns="330200" rIns="257127" bIns="330200" numCol="1" spcCol="1270" anchor="t" anchorCtr="0">
           <a:noAutofit/>
         </a:bodyPr>
         <a:lstStyle/>
         <a:p>
-          <a:pPr marL="0" lvl="0" indent="0" algn="l" defTabSz="800100">
+          <a:pPr marL="0" lvl="0" indent="0" algn="l" defTabSz="1022350">
             <a:lnSpc>
               <a:spcPct val="90000"/>
             </a:lnSpc>
@@ -3308,14 +3243,14 @@
             <a:buNone/>
           </a:pPr>
           <a:r>
-            <a:rPr lang="en-US" sz="1800" kern="1200"/>
+            <a:rPr lang="en-US" sz="2300" kern="1200"/>
             <a:t>We’re going to use cloudformation template to deploy a WAFv2</a:t>
           </a:r>
         </a:p>
       </dsp:txBody>
       <dsp:txXfrm>
-        <a:off x="3091" y="1258110"/>
-        <a:ext cx="2452910" cy="1986489"/>
+        <a:off x="0" y="1258110"/>
+        <a:ext cx="3298031" cy="1986489"/>
       </dsp:txXfrm>
     </dsp:sp>
     <dsp:sp modelId="{16D66264-D2DA-034C-B2B3-4BB7146C6347}">
@@ -3325,7 +3260,7 @@
       </dsp:nvSpPr>
       <dsp:spPr>
         <a:xfrm>
-          <a:off x="732924" y="331081"/>
+          <a:off x="1152393" y="331081"/>
           <a:ext cx="993244" cy="993244"/>
         </a:xfrm>
         <a:prstGeom prst="ellipse">
@@ -3391,7 +3326,7 @@
         </a:p>
       </dsp:txBody>
       <dsp:txXfrm>
-        <a:off x="878381" y="476538"/>
+        <a:off x="1297850" y="476538"/>
         <a:ext cx="702330" cy="702330"/>
       </dsp:txXfrm>
     </dsp:sp>
@@ -3402,26 +3337,26 @@
       </dsp:nvSpPr>
       <dsp:spPr>
         <a:xfrm>
-          <a:off x="3091" y="3310744"/>
-          <a:ext cx="2452910" cy="72"/>
+          <a:off x="0" y="3310744"/>
+          <a:ext cx="3298031" cy="72"/>
         </a:xfrm>
         <a:prstGeom prst="rect">
           <a:avLst/>
         </a:prstGeom>
         <a:solidFill>
           <a:schemeClr val="accent2">
-            <a:hueOff val="-208509"/>
-            <a:satOff val="-1819"/>
-            <a:lumOff val="-2353"/>
+            <a:hueOff val="-291913"/>
+            <a:satOff val="-2547"/>
+            <a:lumOff val="-3294"/>
             <a:alphaOff val="0"/>
           </a:schemeClr>
         </a:solidFill>
         <a:ln w="15875" cap="rnd" cmpd="sng" algn="ctr">
           <a:solidFill>
             <a:schemeClr val="accent2">
-              <a:hueOff val="-208509"/>
-              <a:satOff val="-1819"/>
-              <a:lumOff val="-2353"/>
+              <a:hueOff val="-291913"/>
+              <a:satOff val="-2547"/>
+              <a:lumOff val="-3294"/>
               <a:alphaOff val="0"/>
             </a:schemeClr>
           </a:solidFill>
@@ -3444,15 +3379,15 @@
         </a:fontRef>
       </dsp:style>
     </dsp:sp>
-    <dsp:sp modelId="{8401F329-4A99-D542-BCEE-B64BEB326679}">
+    <dsp:sp modelId="{7C750ED5-65FD-024D-BA5E-16BBBCE599D8}">
       <dsp:nvSpPr>
         <dsp:cNvPr id="0" name=""/>
         <dsp:cNvSpPr/>
       </dsp:nvSpPr>
       <dsp:spPr>
         <a:xfrm>
-          <a:off x="2701293" y="0"/>
-          <a:ext cx="2452910" cy="3310816"/>
+          <a:off x="3627834" y="0"/>
+          <a:ext cx="3298031" cy="3310816"/>
         </a:xfrm>
         <a:prstGeom prst="rect">
           <a:avLst/>
@@ -3461,9 +3396,9 @@
           <a:schemeClr val="accent2">
             <a:tint val="40000"/>
             <a:alpha val="90000"/>
-            <a:hueOff val="-400039"/>
-            <a:satOff val="-5129"/>
-            <a:lumOff val="-1291"/>
+            <a:hueOff val="-600059"/>
+            <a:satOff val="-7693"/>
+            <a:lumOff val="-1937"/>
             <a:alphaOff val="0"/>
           </a:schemeClr>
         </a:solidFill>
@@ -3472,9 +3407,9 @@
             <a:schemeClr val="accent2">
               <a:tint val="40000"/>
               <a:alpha val="90000"/>
-              <a:hueOff val="-400039"/>
-              <a:satOff val="-5129"/>
-              <a:lumOff val="-1291"/>
+              <a:hueOff val="-600059"/>
+              <a:satOff val="-7693"/>
+              <a:lumOff val="-1937"/>
               <a:alphaOff val="0"/>
             </a:schemeClr>
           </a:solidFill>
@@ -3495,12 +3430,12 @@
         <a:fontRef idx="minor"/>
       </dsp:style>
       <dsp:txBody>
-        <a:bodyPr spcFirstLastPara="0" vert="horz" wrap="square" lIns="191238" tIns="330200" rIns="191238" bIns="330200" numCol="1" spcCol="1270" anchor="t" anchorCtr="0">
+        <a:bodyPr spcFirstLastPara="0" vert="horz" wrap="square" lIns="257127" tIns="330200" rIns="257127" bIns="330200" numCol="1" spcCol="1270" anchor="t" anchorCtr="0">
           <a:noAutofit/>
         </a:bodyPr>
         <a:lstStyle/>
         <a:p>
-          <a:pPr marL="0" lvl="0" indent="0" algn="l" defTabSz="800100">
+          <a:pPr marL="0" lvl="0" indent="0" algn="l" defTabSz="1022350">
             <a:lnSpc>
               <a:spcPct val="90000"/>
             </a:lnSpc>
@@ -3513,24 +3448,24 @@
             <a:buNone/>
           </a:pPr>
           <a:r>
-            <a:rPr lang="en-US" sz="1800" kern="1200" dirty="0"/>
-            <a:t>We’re going to associate it with our application load balancer</a:t>
+            <a:rPr lang="en-US" sz="2300" kern="1200" dirty="0"/>
+            <a:t>We’re going to apply an AWS managed rule set</a:t>
           </a:r>
         </a:p>
       </dsp:txBody>
       <dsp:txXfrm>
-        <a:off x="2701293" y="1258110"/>
-        <a:ext cx="2452910" cy="1986489"/>
+        <a:off x="3627834" y="1258110"/>
+        <a:ext cx="3298031" cy="1986489"/>
       </dsp:txXfrm>
     </dsp:sp>
-    <dsp:sp modelId="{1D62AE0C-DA06-094F-BB8C-D716F0363FBB}">
+    <dsp:sp modelId="{2CA3B097-C20D-E14E-A22B-AF1DCE49E51C}">
       <dsp:nvSpPr>
         <dsp:cNvPr id="0" name=""/>
         <dsp:cNvSpPr/>
       </dsp:nvSpPr>
       <dsp:spPr>
         <a:xfrm>
-          <a:off x="3431126" y="331081"/>
+          <a:off x="4780227" y="331081"/>
           <a:ext cx="993244" cy="993244"/>
         </a:xfrm>
         <a:prstGeom prst="ellipse">
@@ -3538,18 +3473,18 @@
         </a:prstGeom>
         <a:solidFill>
           <a:schemeClr val="accent2">
-            <a:hueOff val="-417018"/>
-            <a:satOff val="-3638"/>
-            <a:lumOff val="-4706"/>
+            <a:hueOff val="-583825"/>
+            <a:satOff val="-5094"/>
+            <a:lumOff val="-6588"/>
             <a:alphaOff val="0"/>
           </a:schemeClr>
         </a:solidFill>
         <a:ln w="15875" cap="rnd" cmpd="sng" algn="ctr">
           <a:solidFill>
             <a:schemeClr val="accent2">
-              <a:hueOff val="-417018"/>
-              <a:satOff val="-3638"/>
-              <a:lumOff val="-4706"/>
+              <a:hueOff val="-583825"/>
+              <a:satOff val="-5094"/>
+              <a:lumOff val="-6588"/>
               <a:alphaOff val="0"/>
             </a:schemeClr>
           </a:solidFill>
@@ -3596,37 +3531,37 @@
         </a:p>
       </dsp:txBody>
       <dsp:txXfrm>
-        <a:off x="3576583" y="476538"/>
+        <a:off x="4925684" y="476538"/>
         <a:ext cx="702330" cy="702330"/>
       </dsp:txXfrm>
     </dsp:sp>
-    <dsp:sp modelId="{97954ECB-FBB1-F540-8CF3-3F142972D769}">
+    <dsp:sp modelId="{43D189D2-CC92-B947-9953-B0F51EA85FA2}">
       <dsp:nvSpPr>
         <dsp:cNvPr id="0" name=""/>
         <dsp:cNvSpPr/>
       </dsp:nvSpPr>
       <dsp:spPr>
         <a:xfrm>
-          <a:off x="2701293" y="3310744"/>
-          <a:ext cx="2452910" cy="72"/>
+          <a:off x="3627834" y="3310744"/>
+          <a:ext cx="3298031" cy="72"/>
         </a:xfrm>
         <a:prstGeom prst="rect">
           <a:avLst/>
         </a:prstGeom>
         <a:solidFill>
           <a:schemeClr val="accent2">
-            <a:hueOff val="-625527"/>
-            <a:satOff val="-5457"/>
-            <a:lumOff val="-7059"/>
+            <a:hueOff val="-875738"/>
+            <a:satOff val="-7640"/>
+            <a:lumOff val="-9883"/>
             <a:alphaOff val="0"/>
           </a:schemeClr>
         </a:solidFill>
         <a:ln w="15875" cap="rnd" cmpd="sng" algn="ctr">
           <a:solidFill>
             <a:schemeClr val="accent2">
-              <a:hueOff val="-625527"/>
-              <a:satOff val="-5457"/>
-              <a:lumOff val="-7059"/>
+              <a:hueOff val="-875738"/>
+              <a:satOff val="-7640"/>
+              <a:lumOff val="-9883"/>
               <a:alphaOff val="0"/>
             </a:schemeClr>
           </a:solidFill>
@@ -3649,15 +3584,15 @@
         </a:fontRef>
       </dsp:style>
     </dsp:sp>
-    <dsp:sp modelId="{7C750ED5-65FD-024D-BA5E-16BBBCE599D8}">
+    <dsp:sp modelId="{456615F4-65B5-374A-9A76-59548316DCB5}">
       <dsp:nvSpPr>
         <dsp:cNvPr id="0" name=""/>
         <dsp:cNvSpPr/>
       </dsp:nvSpPr>
       <dsp:spPr>
         <a:xfrm>
-          <a:off x="5399495" y="0"/>
-          <a:ext cx="2452910" cy="3310816"/>
+          <a:off x="7255668" y="0"/>
+          <a:ext cx="3298031" cy="3310816"/>
         </a:xfrm>
         <a:prstGeom prst="rect">
           <a:avLst/>
@@ -3666,9 +3601,9 @@
           <a:schemeClr val="accent2">
             <a:tint val="40000"/>
             <a:alpha val="90000"/>
-            <a:hueOff val="-800078"/>
-            <a:satOff val="-10257"/>
-            <a:lumOff val="-2583"/>
+            <a:hueOff val="-1200117"/>
+            <a:satOff val="-15386"/>
+            <a:lumOff val="-3874"/>
             <a:alphaOff val="0"/>
           </a:schemeClr>
         </a:solidFill>
@@ -3677,9 +3612,9 @@
             <a:schemeClr val="accent2">
               <a:tint val="40000"/>
               <a:alpha val="90000"/>
-              <a:hueOff val="-800078"/>
-              <a:satOff val="-10257"/>
-              <a:lumOff val="-2583"/>
+              <a:hueOff val="-1200117"/>
+              <a:satOff val="-15386"/>
+              <a:lumOff val="-3874"/>
               <a:alphaOff val="0"/>
             </a:schemeClr>
           </a:solidFill>
@@ -3700,12 +3635,12 @@
         <a:fontRef idx="minor"/>
       </dsp:style>
       <dsp:txBody>
-        <a:bodyPr spcFirstLastPara="0" vert="horz" wrap="square" lIns="191238" tIns="330200" rIns="191238" bIns="330200" numCol="1" spcCol="1270" anchor="t" anchorCtr="0">
+        <a:bodyPr spcFirstLastPara="0" vert="horz" wrap="square" lIns="257127" tIns="330200" rIns="257127" bIns="330200" numCol="1" spcCol="1270" anchor="t" anchorCtr="0">
           <a:noAutofit/>
         </a:bodyPr>
         <a:lstStyle/>
         <a:p>
-          <a:pPr marL="0" lvl="0" indent="0" algn="l" defTabSz="800100">
+          <a:pPr marL="0" lvl="0" indent="0" algn="l" defTabSz="1022350">
             <a:lnSpc>
               <a:spcPct val="90000"/>
             </a:lnSpc>
@@ -3718,24 +3653,24 @@
             <a:buNone/>
           </a:pPr>
           <a:r>
-            <a:rPr lang="en-US" sz="1800" kern="1200" dirty="0"/>
-            <a:t>We’re going to apply a AWS managed rule set</a:t>
+            <a:rPr lang="en-US" sz="2300" kern="1200"/>
+            <a:t>We’re going to test these rules using the command line</a:t>
           </a:r>
         </a:p>
       </dsp:txBody>
       <dsp:txXfrm>
-        <a:off x="5399495" y="1258110"/>
-        <a:ext cx="2452910" cy="1986489"/>
+        <a:off x="7255668" y="1258110"/>
+        <a:ext cx="3298031" cy="1986489"/>
       </dsp:txXfrm>
     </dsp:sp>
-    <dsp:sp modelId="{2CA3B097-C20D-E14E-A22B-AF1DCE49E51C}">
+    <dsp:sp modelId="{3D2B7E5C-C074-F94F-B87A-5CF118B7511D}">
       <dsp:nvSpPr>
         <dsp:cNvPr id="0" name=""/>
         <dsp:cNvSpPr/>
       </dsp:nvSpPr>
       <dsp:spPr>
         <a:xfrm>
-          <a:off x="6129328" y="331081"/>
+          <a:off x="8408061" y="331081"/>
           <a:ext cx="993244" cy="993244"/>
         </a:xfrm>
         <a:prstGeom prst="ellipse">
@@ -3743,18 +3678,18 @@
         </a:prstGeom>
         <a:solidFill>
           <a:schemeClr val="accent2">
-            <a:hueOff val="-834036"/>
-            <a:satOff val="-7277"/>
-            <a:lumOff val="-9412"/>
+            <a:hueOff val="-1167650"/>
+            <a:satOff val="-10187"/>
+            <a:lumOff val="-13177"/>
             <a:alphaOff val="0"/>
           </a:schemeClr>
         </a:solidFill>
         <a:ln w="15875" cap="rnd" cmpd="sng" algn="ctr">
           <a:solidFill>
             <a:schemeClr val="accent2">
-              <a:hueOff val="-834036"/>
-              <a:satOff val="-7277"/>
-              <a:lumOff val="-9412"/>
+              <a:hueOff val="-1167650"/>
+              <a:satOff val="-10187"/>
+              <a:lumOff val="-13177"/>
               <a:alphaOff val="0"/>
             </a:schemeClr>
           </a:solidFill>
@@ -3801,212 +3736,7 @@
         </a:p>
       </dsp:txBody>
       <dsp:txXfrm>
-        <a:off x="6274785" y="476538"/>
-        <a:ext cx="702330" cy="702330"/>
-      </dsp:txXfrm>
-    </dsp:sp>
-    <dsp:sp modelId="{43D189D2-CC92-B947-9953-B0F51EA85FA2}">
-      <dsp:nvSpPr>
-        <dsp:cNvPr id="0" name=""/>
-        <dsp:cNvSpPr/>
-      </dsp:nvSpPr>
-      <dsp:spPr>
-        <a:xfrm>
-          <a:off x="5399495" y="3310744"/>
-          <a:ext cx="2452910" cy="72"/>
-        </a:xfrm>
-        <a:prstGeom prst="rect">
-          <a:avLst/>
-        </a:prstGeom>
-        <a:solidFill>
-          <a:schemeClr val="accent2">
-            <a:hueOff val="-1042545"/>
-            <a:satOff val="-9096"/>
-            <a:lumOff val="-11765"/>
-            <a:alphaOff val="0"/>
-          </a:schemeClr>
-        </a:solidFill>
-        <a:ln w="15875" cap="rnd" cmpd="sng" algn="ctr">
-          <a:solidFill>
-            <a:schemeClr val="accent2">
-              <a:hueOff val="-1042545"/>
-              <a:satOff val="-9096"/>
-              <a:lumOff val="-11765"/>
-              <a:alphaOff val="0"/>
-            </a:schemeClr>
-          </a:solidFill>
-          <a:prstDash val="solid"/>
-        </a:ln>
-        <a:effectLst/>
-      </dsp:spPr>
-      <dsp:style>
-        <a:lnRef idx="2">
-          <a:scrgbClr r="0" g="0" b="0"/>
-        </a:lnRef>
-        <a:fillRef idx="1">
-          <a:scrgbClr r="0" g="0" b="0"/>
-        </a:fillRef>
-        <a:effectRef idx="1">
-          <a:scrgbClr r="0" g="0" b="0"/>
-        </a:effectRef>
-        <a:fontRef idx="minor">
-          <a:schemeClr val="lt1"/>
-        </a:fontRef>
-      </dsp:style>
-    </dsp:sp>
-    <dsp:sp modelId="{456615F4-65B5-374A-9A76-59548316DCB5}">
-      <dsp:nvSpPr>
-        <dsp:cNvPr id="0" name=""/>
-        <dsp:cNvSpPr/>
-      </dsp:nvSpPr>
-      <dsp:spPr>
-        <a:xfrm>
-          <a:off x="8097697" y="0"/>
-          <a:ext cx="2452910" cy="3310816"/>
-        </a:xfrm>
-        <a:prstGeom prst="rect">
-          <a:avLst/>
-        </a:prstGeom>
-        <a:solidFill>
-          <a:schemeClr val="accent2">
-            <a:tint val="40000"/>
-            <a:alpha val="90000"/>
-            <a:hueOff val="-1200117"/>
-            <a:satOff val="-15386"/>
-            <a:lumOff val="-3874"/>
-            <a:alphaOff val="0"/>
-          </a:schemeClr>
-        </a:solidFill>
-        <a:ln w="15875" cap="rnd" cmpd="sng" algn="ctr">
-          <a:solidFill>
-            <a:schemeClr val="accent2">
-              <a:tint val="40000"/>
-              <a:alpha val="90000"/>
-              <a:hueOff val="-1200117"/>
-              <a:satOff val="-15386"/>
-              <a:lumOff val="-3874"/>
-              <a:alphaOff val="0"/>
-            </a:schemeClr>
-          </a:solidFill>
-          <a:prstDash val="solid"/>
-        </a:ln>
-        <a:effectLst/>
-      </dsp:spPr>
-      <dsp:style>
-        <a:lnRef idx="2">
-          <a:scrgbClr r="0" g="0" b="0"/>
-        </a:lnRef>
-        <a:fillRef idx="1">
-          <a:scrgbClr r="0" g="0" b="0"/>
-        </a:fillRef>
-        <a:effectRef idx="0">
-          <a:scrgbClr r="0" g="0" b="0"/>
-        </a:effectRef>
-        <a:fontRef idx="minor"/>
-      </dsp:style>
-      <dsp:txBody>
-        <a:bodyPr spcFirstLastPara="0" vert="horz" wrap="square" lIns="191238" tIns="330200" rIns="191238" bIns="330200" numCol="1" spcCol="1270" anchor="t" anchorCtr="0">
-          <a:noAutofit/>
-        </a:bodyPr>
-        <a:lstStyle/>
-        <a:p>
-          <a:pPr marL="0" lvl="0" indent="0" algn="l" defTabSz="800100">
-            <a:lnSpc>
-              <a:spcPct val="90000"/>
-            </a:lnSpc>
-            <a:spcBef>
-              <a:spcPct val="0"/>
-            </a:spcBef>
-            <a:spcAft>
-              <a:spcPct val="35000"/>
-            </a:spcAft>
-            <a:buNone/>
-          </a:pPr>
-          <a:r>
-            <a:rPr lang="en-US" sz="1800" kern="1200"/>
-            <a:t>We’re going to test these rules using the command line</a:t>
-          </a:r>
-        </a:p>
-      </dsp:txBody>
-      <dsp:txXfrm>
-        <a:off x="8097697" y="1258110"/>
-        <a:ext cx="2452910" cy="1986489"/>
-      </dsp:txXfrm>
-    </dsp:sp>
-    <dsp:sp modelId="{3D2B7E5C-C074-F94F-B87A-5CF118B7511D}">
-      <dsp:nvSpPr>
-        <dsp:cNvPr id="0" name=""/>
-        <dsp:cNvSpPr/>
-      </dsp:nvSpPr>
-      <dsp:spPr>
-        <a:xfrm>
-          <a:off x="8827530" y="331081"/>
-          <a:ext cx="993244" cy="993244"/>
-        </a:xfrm>
-        <a:prstGeom prst="ellipse">
-          <a:avLst/>
-        </a:prstGeom>
-        <a:solidFill>
-          <a:schemeClr val="accent2">
-            <a:hueOff val="-1251054"/>
-            <a:satOff val="-10915"/>
-            <a:lumOff val="-14118"/>
-            <a:alphaOff val="0"/>
-          </a:schemeClr>
-        </a:solidFill>
-        <a:ln w="15875" cap="rnd" cmpd="sng" algn="ctr">
-          <a:solidFill>
-            <a:schemeClr val="accent2">
-              <a:hueOff val="-1251054"/>
-              <a:satOff val="-10915"/>
-              <a:lumOff val="-14118"/>
-              <a:alphaOff val="0"/>
-            </a:schemeClr>
-          </a:solidFill>
-          <a:prstDash val="solid"/>
-        </a:ln>
-        <a:effectLst/>
-      </dsp:spPr>
-      <dsp:style>
-        <a:lnRef idx="2">
-          <a:scrgbClr r="0" g="0" b="0"/>
-        </a:lnRef>
-        <a:fillRef idx="1">
-          <a:scrgbClr r="0" g="0" b="0"/>
-        </a:fillRef>
-        <a:effectRef idx="1">
-          <a:scrgbClr r="0" g="0" b="0"/>
-        </a:effectRef>
-        <a:fontRef idx="minor">
-          <a:schemeClr val="lt1"/>
-        </a:fontRef>
-      </dsp:style>
-      <dsp:txBody>
-        <a:bodyPr spcFirstLastPara="0" vert="horz" wrap="square" lIns="77437" tIns="12700" rIns="77437" bIns="12700" numCol="1" spcCol="1270" anchor="ctr" anchorCtr="0">
-          <a:noAutofit/>
-        </a:bodyPr>
-        <a:lstStyle/>
-        <a:p>
-          <a:pPr marL="0" lvl="0" indent="0" algn="ctr" defTabSz="2133600">
-            <a:lnSpc>
-              <a:spcPct val="90000"/>
-            </a:lnSpc>
-            <a:spcBef>
-              <a:spcPct val="0"/>
-            </a:spcBef>
-            <a:spcAft>
-              <a:spcPct val="35000"/>
-            </a:spcAft>
-            <a:buNone/>
-          </a:pPr>
-          <a:r>
-            <a:rPr lang="en-US" sz="4800" kern="1200"/>
-            <a:t>4</a:t>
-          </a:r>
-        </a:p>
-      </dsp:txBody>
-      <dsp:txXfrm>
-        <a:off x="8972987" y="476538"/>
+        <a:off x="8553518" y="476538"/>
         <a:ext cx="702330" cy="702330"/>
       </dsp:txXfrm>
     </dsp:sp>
@@ -4017,8 +3747,8 @@
       </dsp:nvSpPr>
       <dsp:spPr>
         <a:xfrm>
-          <a:off x="8097697" y="3310744"/>
-          <a:ext cx="2452910" cy="72"/>
+          <a:off x="7255668" y="3310744"/>
+          <a:ext cx="3298031" cy="72"/>
         </a:xfrm>
         <a:prstGeom prst="rect">
           <a:avLst/>
@@ -6784,7 +6514,7 @@
           <a:p>
             <a:fld id="{9E7207FC-E717-D74E-A1C4-914F51B2A48A}" type="datetimeFigureOut">
               <a:rPr lang="en-US" smtClean="0"/>
-              <a:t>3/8/20</a:t>
+              <a:t>5/19/20</a:t>
             </a:fld>
             <a:endParaRPr lang="en-US"/>
           </a:p>
@@ -7098,7 +6828,59 @@
           <a:p>
             <a:r>
               <a:rPr lang="en-US" dirty="0"/>
-              <a:t>Testing with a curl command to our end point where we remove user agent from the headers</a:t>
+              <a:t>Deployment steps:</a:t>
+            </a:r>
+          </a:p>
+          <a:p>
+            <a:r>
+              <a:rPr lang="en-US" dirty="0"/>
+              <a:t>1 – Launch the stack</a:t>
+            </a:r>
+          </a:p>
+          <a:p>
+            <a:r>
+              <a:rPr lang="en-US" dirty="0"/>
+              <a:t>	Work through each parameter one at a time together</a:t>
+            </a:r>
+          </a:p>
+          <a:p>
+            <a:r>
+              <a:rPr lang="en-US" dirty="0"/>
+              <a:t>2 - Update Blacklist/Whitelist of </a:t>
+            </a:r>
+            <a:r>
+              <a:rPr lang="en-US" dirty="0" err="1"/>
+              <a:t>Ips</a:t>
+            </a:r>
+            <a:r>
+              <a:rPr lang="en-US" dirty="0"/>
+              <a:t> </a:t>
+            </a:r>
+          </a:p>
+          <a:p>
+            <a:r>
+              <a:rPr lang="en-US" dirty="0"/>
+              <a:t>3 – Honeypot – DON’T DO THIS</a:t>
+            </a:r>
+          </a:p>
+          <a:p>
+            <a:r>
+              <a:rPr lang="en-US" dirty="0"/>
+              <a:t>4 – Associate it with the ALB</a:t>
+            </a:r>
+          </a:p>
+          <a:p>
+            <a:r>
+              <a:rPr lang="en-US" dirty="0"/>
+              <a:t>5 – Logs DON’T </a:t>
+            </a:r>
+            <a:r>
+              <a:rPr lang="en-US"/>
+              <a:t>DO THIS…maybe</a:t>
+            </a:r>
+            <a:r>
+              <a:rPr lang="en-US" dirty="0"/>
+              <a:t>, need to check</a:t>
             </a:r>
           </a:p>
           <a:p>
@@ -7123,7 +6905,97 @@
           <a:p>
             <a:fld id="{8D231195-710E-244E-B95B-ABD3C731C918}" type="slidenum">
               <a:rPr lang="en-US" smtClean="0"/>
-              <a:t>3</a:t>
+              <a:t>4</a:t>
+            </a:fld>
+            <a:endParaRPr lang="en-US"/>
+          </a:p>
+        </p:txBody>
+      </p:sp>
+    </p:spTree>
+    <p:extLst>
+      <p:ext uri="{BB962C8B-B14F-4D97-AF65-F5344CB8AC3E}">
+        <p14:creationId xmlns:p14="http://schemas.microsoft.com/office/powerpoint/2010/main" val="3407397260"/>
+      </p:ext>
+    </p:extLst>
+  </p:cSld>
+  <p:clrMapOvr>
+    <a:masterClrMapping/>
+  </p:clrMapOvr>
+</p:notes>
+</file>
+
+<file path=ppt/notesSlides/notesSlide2.xml><?xml version="1.0" encoding="utf-8"?>
+<p:notes xmlns:a="http://schemas.openxmlformats.org/drawingml/2006/main" xmlns:r="http://schemas.openxmlformats.org/officeDocument/2006/relationships" xmlns:p="http://schemas.openxmlformats.org/presentationml/2006/main">
+  <p:cSld>
+    <p:spTree>
+      <p:nvGrpSpPr>
+        <p:cNvPr id="1" name=""/>
+        <p:cNvGrpSpPr/>
+        <p:nvPr/>
+      </p:nvGrpSpPr>
+      <p:grpSpPr>
+        <a:xfrm>
+          <a:off x="0" y="0"/>
+          <a:ext cx="0" cy="0"/>
+          <a:chOff x="0" y="0"/>
+          <a:chExt cx="0" cy="0"/>
+        </a:xfrm>
+      </p:grpSpPr>
+      <p:sp>
+        <p:nvSpPr>
+          <p:cNvPr id="2" name="Slide Image Placeholder 1"/>
+          <p:cNvSpPr>
+            <a:spLocks noGrp="1" noRot="1" noChangeAspect="1"/>
+          </p:cNvSpPr>
+          <p:nvPr>
+            <p:ph type="sldImg"/>
+          </p:nvPr>
+        </p:nvSpPr>
+        <p:spPr/>
+      </p:sp>
+      <p:sp>
+        <p:nvSpPr>
+          <p:cNvPr id="3" name="Notes Placeholder 2"/>
+          <p:cNvSpPr>
+            <a:spLocks noGrp="1"/>
+          </p:cNvSpPr>
+          <p:nvPr>
+            <p:ph type="body" idx="1"/>
+          </p:nvPr>
+        </p:nvSpPr>
+        <p:spPr/>
+        <p:txBody>
+          <a:bodyPr/>
+          <a:lstStyle/>
+          <a:p>
+            <a:r>
+              <a:rPr lang="en-US" dirty="0"/>
+              <a:t>Testing with a curl command to our end point where we remove user agent from the headers</a:t>
+            </a:r>
+          </a:p>
+          <a:p>
+            <a:endParaRPr lang="en-US" dirty="0"/>
+          </a:p>
+        </p:txBody>
+      </p:sp>
+      <p:sp>
+        <p:nvSpPr>
+          <p:cNvPr id="4" name="Slide Number Placeholder 3"/>
+          <p:cNvSpPr>
+            <a:spLocks noGrp="1"/>
+          </p:cNvSpPr>
+          <p:nvPr>
+            <p:ph type="sldNum" sz="quarter" idx="5"/>
+          </p:nvPr>
+        </p:nvSpPr>
+        <p:spPr/>
+        <p:txBody>
+          <a:bodyPr/>
+          <a:lstStyle/>
+          <a:p>
+            <a:fld id="{8D231195-710E-244E-B95B-ABD3C731C918}" type="slidenum">
+              <a:rPr lang="en-US" smtClean="0"/>
+              <a:t>5</a:t>
             </a:fld>
             <a:endParaRPr lang="en-US"/>
           </a:p>
@@ -7237,7 +7109,7 @@
           <a:effectLst/>
           <a:extLst>
             <a:ext uri="{91240B29-F687-4f45-9708-019B960494DF}">
-              <a14:hiddenLine xmlns:a14="http://schemas.microsoft.com/office/drawing/2010/main" xmlns="" w="9525">
+              <a14:hiddenLine xmlns="" xmlns:a14="http://schemas.microsoft.com/office/drawing/2010/main" w="9525">
                 <a:solidFill>
                   <a:srgbClr val="000000"/>
                 </a:solidFill>
@@ -7430,7 +7302,7 @@
             <a:fld id="{08B9EBBA-996F-894A-B54A-D6246ED52CEA}" type="datetimeFigureOut">
               <a:rPr lang="en-US" dirty="0"/>
               <a:pPr/>
-              <a:t>3/8/20</a:t>
+              <a:t>5/19/20</a:t>
             </a:fld>
             <a:endParaRPr lang="en-US" dirty="0"/>
           </a:p>
@@ -7745,7 +7617,7 @@
             <a:fld id="{18C79C5D-2A6F-F04D-97DA-BEF2467B64E4}" type="datetimeFigureOut">
               <a:rPr lang="en-US" dirty="0"/>
               <a:pPr/>
-              <a:t>3/8/20</a:t>
+              <a:t>5/19/20</a:t>
             </a:fld>
             <a:endParaRPr lang="en-US" dirty="0"/>
           </a:p>
@@ -8230,7 +8102,7 @@
             <a:fld id="{8DFA1846-DA80-1C48-A609-854EA85C59AD}" type="datetimeFigureOut">
               <a:rPr lang="en-US" dirty="0"/>
               <a:pPr/>
-              <a:t>3/8/20</a:t>
+              <a:t>5/19/20</a:t>
             </a:fld>
             <a:endParaRPr lang="en-US" dirty="0"/>
           </a:p>
@@ -8596,7 +8468,7 @@
             <a:fld id="{FBF54567-0DE4-3F47-BF90-CB84690072F9}" type="datetimeFigureOut">
               <a:rPr lang="en-US" dirty="0"/>
               <a:pPr/>
-              <a:t>3/8/20</a:t>
+              <a:t>5/19/20</a:t>
             </a:fld>
             <a:endParaRPr lang="en-US" dirty="0"/>
           </a:p>
@@ -8747,7 +8619,7 @@
           <a:ln/>
           <a:extLst>
             <a:ext uri="{91240B29-F687-4f45-9708-019B960494DF}">
-              <a14:hiddenLine xmlns:a14="http://schemas.microsoft.com/office/drawing/2010/main" xmlns="" w="9525">
+              <a14:hiddenLine xmlns="" xmlns:a14="http://schemas.microsoft.com/office/drawing/2010/main" w="9525">
                 <a:solidFill>
                   <a:srgbClr val="000000"/>
                 </a:solidFill>
@@ -8866,7 +8738,7 @@
             <a:fld id="{C6C52C72-DE31-F449-A4ED-4C594FD91407}" type="datetimeFigureOut">
               <a:rPr lang="en-US" dirty="0"/>
               <a:pPr/>
-              <a:t>3/8/20</a:t>
+              <a:t>5/19/20</a:t>
             </a:fld>
             <a:endParaRPr lang="en-US" dirty="0"/>
           </a:p>
@@ -9019,7 +8891,7 @@
           <a:ln/>
           <a:extLst>
             <a:ext uri="{91240B29-F687-4f45-9708-019B960494DF}">
-              <a14:hiddenLine xmlns:a14="http://schemas.microsoft.com/office/drawing/2010/main" xmlns="" w="9525">
+              <a14:hiddenLine xmlns="" xmlns:a14="http://schemas.microsoft.com/office/drawing/2010/main" w="9525">
                 <a:solidFill>
                   <a:srgbClr val="000000"/>
                 </a:solidFill>
@@ -9148,7 +9020,7 @@
             <a:fld id="{ED62726E-379B-B349-9EED-81ED093FA806}" type="datetimeFigureOut">
               <a:rPr lang="en-US" dirty="0"/>
               <a:pPr/>
-              <a:t>3/8/20</a:t>
+              <a:t>5/19/20</a:t>
             </a:fld>
             <a:endParaRPr lang="en-US" dirty="0"/>
           </a:p>
@@ -9299,7 +9171,7 @@
           <a:ln/>
           <a:extLst>
             <a:ext uri="{91240B29-F687-4f45-9708-019B960494DF}">
-              <a14:hiddenLine xmlns:a14="http://schemas.microsoft.com/office/drawing/2010/main" xmlns="" w="9525">
+              <a14:hiddenLine xmlns="" xmlns:a14="http://schemas.microsoft.com/office/drawing/2010/main" w="9525">
                 <a:solidFill>
                   <a:srgbClr val="000000"/>
                 </a:solidFill>
@@ -9428,7 +9300,7 @@
             <a:fld id="{9B3A1323-8D79-1946-B0D7-40001CF92E9D}" type="datetimeFigureOut">
               <a:rPr lang="en-US" dirty="0"/>
               <a:pPr/>
-              <a:t>3/8/20</a:t>
+              <a:t>5/19/20</a:t>
             </a:fld>
             <a:endParaRPr lang="en-US" dirty="0"/>
           </a:p>
@@ -9768,7 +9640,7 @@
             <a:fld id="{8DFA1846-DA80-1C48-A609-854EA85C59AD}" type="datetimeFigureOut">
               <a:rPr lang="en-US" dirty="0"/>
               <a:pPr/>
-              <a:t>3/8/20</a:t>
+              <a:t>5/19/20</a:t>
             </a:fld>
             <a:endParaRPr lang="en-US" dirty="0"/>
           </a:p>
@@ -9919,7 +9791,7 @@
           <a:ln/>
           <a:extLst>
             <a:ext uri="{91240B29-F687-4f45-9708-019B960494DF}">
-              <a14:hiddenLine xmlns:a14="http://schemas.microsoft.com/office/drawing/2010/main" xmlns="" w="9525">
+              <a14:hiddenLine xmlns="" xmlns:a14="http://schemas.microsoft.com/office/drawing/2010/main" w="9525">
                 <a:solidFill>
                   <a:srgbClr val="000000"/>
                 </a:solidFill>
@@ -10104,7 +9976,7 @@
             <a:fld id="{57302355-E14B-8545-A8F8-0FE83CC9D524}" type="datetimeFigureOut">
               <a:rPr lang="en-US" dirty="0"/>
               <a:pPr/>
-              <a:t>3/8/20</a:t>
+              <a:t>5/19/20</a:t>
             </a:fld>
             <a:endParaRPr lang="en-US" dirty="0"/>
           </a:p>
@@ -10255,7 +10127,7 @@
           <a:ln/>
           <a:extLst>
             <a:ext uri="{91240B29-F687-4f45-9708-019B960494DF}">
-              <a14:hiddenLine xmlns:a14="http://schemas.microsoft.com/office/drawing/2010/main" xmlns="" w="9525">
+              <a14:hiddenLine xmlns="" xmlns:a14="http://schemas.microsoft.com/office/drawing/2010/main" w="9525">
                 <a:solidFill>
                   <a:srgbClr val="000000"/>
                 </a:solidFill>
@@ -10578,7 +10450,7 @@
             <a:fld id="{02640F58-564D-2B4F-AE67-E407BA4FCF45}" type="datetimeFigureOut">
               <a:rPr lang="en-US" dirty="0"/>
               <a:pPr/>
-              <a:t>3/8/20</a:t>
+              <a:t>5/19/20</a:t>
             </a:fld>
             <a:endParaRPr lang="en-US" dirty="0"/>
           </a:p>
@@ -10729,7 +10601,7 @@
           <a:ln/>
           <a:extLst>
             <a:ext uri="{91240B29-F687-4f45-9708-019B960494DF}">
-              <a14:hiddenLine xmlns:a14="http://schemas.microsoft.com/office/drawing/2010/main" xmlns="" w="9525">
+              <a14:hiddenLine xmlns="" xmlns:a14="http://schemas.microsoft.com/office/drawing/2010/main" w="9525">
                 <a:solidFill>
                   <a:srgbClr val="000000"/>
                 </a:solidFill>
@@ -10796,7 +10668,7 @@
             <a:fld id="{F13A34C8-038E-2045-AF43-DF7DBB8E0E9E}" type="datetimeFigureOut">
               <a:rPr lang="en-US" dirty="0"/>
               <a:pPr/>
-              <a:t>3/8/20</a:t>
+              <a:t>5/19/20</a:t>
             </a:fld>
             <a:endParaRPr lang="en-US" dirty="0"/>
           </a:p>
@@ -10888,7 +10760,7 @@
             <a:fld id="{8818C68F-D26B-8F47-958C-23B49CF8A634}" type="datetimeFigureOut">
               <a:rPr lang="en-US" dirty="0"/>
               <a:pPr/>
-              <a:t>3/8/20</a:t>
+              <a:t>5/19/20</a:t>
             </a:fld>
             <a:endParaRPr lang="en-US" dirty="0"/>
           </a:p>
@@ -11152,7 +11024,7 @@
           <a:ln/>
           <a:extLst>
             <a:ext uri="{91240B29-F687-4f45-9708-019B960494DF}">
-              <a14:hiddenLine xmlns:a14="http://schemas.microsoft.com/office/drawing/2010/main" xmlns="" w="9525">
+              <a14:hiddenLine xmlns="" xmlns:a14="http://schemas.microsoft.com/office/drawing/2010/main" w="9525">
                 <a:solidFill>
                   <a:srgbClr val="000000"/>
                 </a:solidFill>
@@ -11352,7 +11224,7 @@
             <a:fld id="{D0DF5E60-9974-AC48-9591-99C2BB44B7CF}" type="datetimeFigureOut">
               <a:rPr lang="en-US" dirty="0"/>
               <a:pPr/>
-              <a:t>3/8/20</a:t>
+              <a:t>5/19/20</a:t>
             </a:fld>
             <a:endParaRPr lang="en-US" dirty="0"/>
           </a:p>
@@ -11662,7 +11534,7 @@
             <a:fld id="{18C79C5D-2A6F-F04D-97DA-BEF2467B64E4}" type="datetimeFigureOut">
               <a:rPr lang="en-US" dirty="0"/>
               <a:pPr/>
-              <a:t>3/8/20</a:t>
+              <a:t>5/19/20</a:t>
             </a:fld>
             <a:endParaRPr lang="en-US" dirty="0"/>
           </a:p>
@@ -11929,7 +11801,7 @@
             <a:fld id="{09B482E8-6E0E-1B4F-B1FD-C69DB9E858D9}" type="datetimeFigureOut">
               <a:rPr lang="en-US" dirty="0"/>
               <a:pPr/>
-              <a:t>3/8/20</a:t>
+              <a:t>5/19/20</a:t>
             </a:fld>
             <a:endParaRPr lang="en-US" dirty="0"/>
           </a:p>
@@ -12765,7 +12637,7 @@
             <p:ph idx="1"/>
             <p:extLst>
               <p:ext uri="{D42A27DB-BD31-4B8C-83A1-F6EECF244321}">
-                <p14:modId xmlns:p14="http://schemas.microsoft.com/office/powerpoint/2010/main" val="3503764517"/>
+                <p14:modId xmlns:p14="http://schemas.microsoft.com/office/powerpoint/2010/main" val="3801707594"/>
               </p:ext>
             </p:extLst>
           </p:nvPr>
@@ -12794,6 +12666,558 @@
 </file>
 
 <file path=ppt/slides/slide3.xml><?xml version="1.0" encoding="utf-8"?>
+<p:sld xmlns:a="http://schemas.openxmlformats.org/drawingml/2006/main" xmlns:r="http://schemas.openxmlformats.org/officeDocument/2006/relationships" xmlns:p="http://schemas.openxmlformats.org/presentationml/2006/main">
+  <p:cSld>
+    <p:spTree>
+      <p:nvGrpSpPr>
+        <p:cNvPr id="1" name=""/>
+        <p:cNvGrpSpPr/>
+        <p:nvPr/>
+      </p:nvGrpSpPr>
+      <p:grpSpPr>
+        <a:xfrm>
+          <a:off x="0" y="0"/>
+          <a:ext cx="0" cy="0"/>
+          <a:chOff x="0" y="0"/>
+          <a:chExt cx="0" cy="0"/>
+        </a:xfrm>
+      </p:grpSpPr>
+      <p:sp>
+        <p:nvSpPr>
+          <p:cNvPr id="2" name="Title 1">
+            <a:extLst>
+              <a:ext uri="{FF2B5EF4-FFF2-40B4-BE49-F238E27FC236}">
+                <a16:creationId xmlns:a16="http://schemas.microsoft.com/office/drawing/2014/main" id="{15721751-A29C-7C40-B6D2-349EE52B947D}"/>
+              </a:ext>
+            </a:extLst>
+          </p:cNvPr>
+          <p:cNvSpPr>
+            <a:spLocks noGrp="1"/>
+          </p:cNvSpPr>
+          <p:nvPr>
+            <p:ph type="title"/>
+          </p:nvPr>
+        </p:nvSpPr>
+        <p:spPr/>
+        <p:txBody>
+          <a:bodyPr/>
+          <a:lstStyle/>
+          <a:p>
+            <a:r>
+              <a:rPr lang="en-US" dirty="0"/>
+              <a:t>Rules</a:t>
+            </a:r>
+          </a:p>
+        </p:txBody>
+      </p:sp>
+      <p:sp>
+        <p:nvSpPr>
+          <p:cNvPr id="3" name="Content Placeholder 2">
+            <a:extLst>
+              <a:ext uri="{FF2B5EF4-FFF2-40B4-BE49-F238E27FC236}">
+                <a16:creationId xmlns:a16="http://schemas.microsoft.com/office/drawing/2014/main" id="{CEC1CAEC-DF4A-054E-B1DC-4FEDD7FCE7C8}"/>
+              </a:ext>
+            </a:extLst>
+          </p:cNvPr>
+          <p:cNvSpPr>
+            <a:spLocks noGrp="1"/>
+          </p:cNvSpPr>
+          <p:nvPr>
+            <p:ph sz="half" idx="1"/>
+          </p:nvPr>
+        </p:nvSpPr>
+        <p:spPr/>
+        <p:txBody>
+          <a:bodyPr anchor="t"/>
+          <a:lstStyle/>
+          <a:p>
+            <a:pPr marL="0" indent="0">
+              <a:buNone/>
+            </a:pPr>
+            <a:r>
+              <a:rPr lang="en-US" dirty="0"/>
+              <a:t>You can…</a:t>
+            </a:r>
+          </a:p>
+          <a:p>
+            <a:pPr marL="457200" lvl="1" indent="0">
+              <a:buNone/>
+            </a:pPr>
+            <a:r>
+              <a:rPr lang="en-US" dirty="0"/>
+              <a:t>Allow all requests, except the ones you block</a:t>
+            </a:r>
+          </a:p>
+          <a:p>
+            <a:pPr marL="457200" lvl="1" indent="0">
+              <a:buNone/>
+            </a:pPr>
+            <a:r>
+              <a:rPr lang="en-US" dirty="0"/>
+              <a:t>Block all requests, except the ones you allow</a:t>
+            </a:r>
+          </a:p>
+          <a:p>
+            <a:pPr marL="457200" lvl="1" indent="0">
+              <a:buNone/>
+            </a:pPr>
+            <a:r>
+              <a:rPr lang="en-US" dirty="0"/>
+              <a:t>Rate limit requests based on a condition</a:t>
+            </a:r>
+          </a:p>
+        </p:txBody>
+      </p:sp>
+      <p:sp>
+        <p:nvSpPr>
+          <p:cNvPr id="4" name="Content Placeholder 3">
+            <a:extLst>
+              <a:ext uri="{FF2B5EF4-FFF2-40B4-BE49-F238E27FC236}">
+                <a16:creationId xmlns:a16="http://schemas.microsoft.com/office/drawing/2014/main" id="{412B2344-5F46-144F-BB2D-4BBBC7776B45}"/>
+              </a:ext>
+            </a:extLst>
+          </p:cNvPr>
+          <p:cNvSpPr>
+            <a:spLocks noGrp="1"/>
+          </p:cNvSpPr>
+          <p:nvPr>
+            <p:ph sz="half" idx="2"/>
+          </p:nvPr>
+        </p:nvSpPr>
+        <p:spPr/>
+        <p:txBody>
+          <a:bodyPr anchor="t"/>
+          <a:lstStyle/>
+          <a:p>
+            <a:pPr marL="0" indent="0">
+              <a:buNone/>
+            </a:pPr>
+            <a:r>
+              <a:rPr lang="en-US" dirty="0"/>
+              <a:t>Examples of the conditions you can check…</a:t>
+            </a:r>
+          </a:p>
+          <a:p>
+            <a:pPr marL="457200" lvl="1" indent="0">
+              <a:buNone/>
+            </a:pPr>
+            <a:r>
+              <a:rPr lang="en-US" dirty="0"/>
+              <a:t>Headers</a:t>
+            </a:r>
+          </a:p>
+          <a:p>
+            <a:pPr marL="457200" lvl="1" indent="0">
+              <a:buNone/>
+            </a:pPr>
+            <a:r>
+              <a:rPr lang="en-US" dirty="0"/>
+              <a:t>IP address</a:t>
+            </a:r>
+          </a:p>
+          <a:p>
+            <a:pPr marL="457200" lvl="1" indent="0">
+              <a:buNone/>
+            </a:pPr>
+            <a:r>
+              <a:rPr lang="en-US" dirty="0"/>
+              <a:t>XSS or SQL injection in the request</a:t>
+            </a:r>
+          </a:p>
+          <a:p>
+            <a:pPr marL="457200" lvl="1" indent="0">
+              <a:buNone/>
+            </a:pPr>
+            <a:r>
+              <a:rPr lang="en-US" dirty="0"/>
+              <a:t>Geolocation</a:t>
+            </a:r>
+          </a:p>
+        </p:txBody>
+      </p:sp>
+      <p:pic>
+        <p:nvPicPr>
+          <p:cNvPr id="5" name="Picture 4">
+            <a:extLst>
+              <a:ext uri="{FF2B5EF4-FFF2-40B4-BE49-F238E27FC236}">
+                <a16:creationId xmlns:a16="http://schemas.microsoft.com/office/drawing/2014/main" id="{7AA3B5B6-11C7-D94F-92B1-FE75B619602D}"/>
+              </a:ext>
+            </a:extLst>
+          </p:cNvPr>
+          <p:cNvPicPr>
+            <a:picLocks noChangeAspect="1"/>
+          </p:cNvPicPr>
+          <p:nvPr/>
+        </p:nvPicPr>
+        <p:blipFill>
+          <a:blip r:embed="rId2">
+            <a:duotone>
+              <a:schemeClr val="accent1">
+                <a:shade val="45000"/>
+                <a:satMod val="135000"/>
+              </a:schemeClr>
+              <a:prstClr val="white"/>
+            </a:duotone>
+          </a:blip>
+          <a:stretch>
+            <a:fillRect/>
+          </a:stretch>
+        </p:blipFill>
+        <p:spPr>
+          <a:xfrm>
+            <a:off x="0" y="3694670"/>
+            <a:ext cx="3163330" cy="3163330"/>
+          </a:xfrm>
+          <a:prstGeom prst="rect">
+            <a:avLst/>
+          </a:prstGeom>
+        </p:spPr>
+      </p:pic>
+      <p:sp>
+        <p:nvSpPr>
+          <p:cNvPr id="6" name="Rectangle 5">
+            <a:extLst>
+              <a:ext uri="{FF2B5EF4-FFF2-40B4-BE49-F238E27FC236}">
+                <a16:creationId xmlns:a16="http://schemas.microsoft.com/office/drawing/2014/main" id="{E93DF7A7-0516-374C-9CAB-7C7722962744}"/>
+              </a:ext>
+            </a:extLst>
+          </p:cNvPr>
+          <p:cNvSpPr/>
+          <p:nvPr/>
+        </p:nvSpPr>
+        <p:spPr>
+          <a:xfrm>
+            <a:off x="4386649" y="4547286"/>
+            <a:ext cx="6995349" cy="1828800"/>
+          </a:xfrm>
+          <a:prstGeom prst="rect">
+            <a:avLst/>
+          </a:prstGeom>
+        </p:spPr>
+        <p:style>
+          <a:lnRef idx="2">
+            <a:schemeClr val="accent1">
+              <a:shade val="50000"/>
+            </a:schemeClr>
+          </a:lnRef>
+          <a:fillRef idx="1">
+            <a:schemeClr val="accent1"/>
+          </a:fillRef>
+          <a:effectRef idx="0">
+            <a:schemeClr val="accent1"/>
+          </a:effectRef>
+          <a:fontRef idx="minor">
+            <a:schemeClr val="lt1"/>
+          </a:fontRef>
+        </p:style>
+        <p:txBody>
+          <a:bodyPr rtlCol="0" anchor="ctr"/>
+          <a:lstStyle/>
+          <a:p>
+            <a:pPr algn="ctr"/>
+            <a:r>
+              <a:rPr lang="en-US" dirty="0"/>
+              <a:t>You can buy rule sets from the AWS marketplace from AWS or other 3</a:t>
+            </a:r>
+            <a:r>
+              <a:rPr lang="en-US" baseline="30000" dirty="0"/>
+              <a:t>rd</a:t>
+            </a:r>
+            <a:r>
+              <a:rPr lang="en-US" dirty="0"/>
+              <a:t> parties who provide rules</a:t>
+            </a:r>
+          </a:p>
+        </p:txBody>
+      </p:sp>
+    </p:spTree>
+    <p:extLst>
+      <p:ext uri="{BB962C8B-B14F-4D97-AF65-F5344CB8AC3E}">
+        <p14:creationId xmlns:p14="http://schemas.microsoft.com/office/powerpoint/2010/main" val="211199320"/>
+      </p:ext>
+    </p:extLst>
+  </p:cSld>
+  <p:clrMapOvr>
+    <a:masterClrMapping/>
+  </p:clrMapOvr>
+</p:sld>
+</file>
+
+<file path=ppt/slides/slide4.xml><?xml version="1.0" encoding="utf-8"?>
+<p:sld xmlns:a="http://schemas.openxmlformats.org/drawingml/2006/main" xmlns:r="http://schemas.openxmlformats.org/officeDocument/2006/relationships" xmlns:p="http://schemas.openxmlformats.org/presentationml/2006/main">
+  <p:cSld>
+    <p:bg>
+      <p:bgPr>
+        <a:solidFill>
+          <a:schemeClr val="bg2"/>
+        </a:solidFill>
+        <a:effectLst/>
+      </p:bgPr>
+    </p:bg>
+    <p:spTree>
+      <p:nvGrpSpPr>
+        <p:cNvPr id="1" name=""/>
+        <p:cNvGrpSpPr/>
+        <p:nvPr/>
+      </p:nvGrpSpPr>
+      <p:grpSpPr>
+        <a:xfrm>
+          <a:off x="0" y="0"/>
+          <a:ext cx="0" cy="0"/>
+          <a:chOff x="0" y="0"/>
+          <a:chExt cx="0" cy="0"/>
+        </a:xfrm>
+      </p:grpSpPr>
+      <p:sp>
+        <p:nvSpPr>
+          <p:cNvPr id="2" name="Title 1">
+            <a:extLst>
+              <a:ext uri="{FF2B5EF4-FFF2-40B4-BE49-F238E27FC236}">
+                <a16:creationId xmlns:a16="http://schemas.microsoft.com/office/drawing/2014/main" id="{64EE5E19-77DA-3B43-80F6-3F8A93D23170}"/>
+              </a:ext>
+            </a:extLst>
+          </p:cNvPr>
+          <p:cNvSpPr>
+            <a:spLocks noGrp="1"/>
+          </p:cNvSpPr>
+          <p:nvPr>
+            <p:ph type="title"/>
+          </p:nvPr>
+        </p:nvSpPr>
+        <p:spPr>
+          <a:xfrm>
+            <a:off x="810000" y="447188"/>
+            <a:ext cx="10571998" cy="970450"/>
+          </a:xfrm>
+        </p:spPr>
+        <p:txBody>
+          <a:bodyPr>
+            <a:normAutofit/>
+          </a:bodyPr>
+          <a:lstStyle/>
+          <a:p>
+            <a:r>
+              <a:rPr lang="en-US" dirty="0"/>
+              <a:t>Let’s take a closer look</a:t>
+            </a:r>
+          </a:p>
+        </p:txBody>
+      </p:sp>
+      <p:sp>
+        <p:nvSpPr>
+          <p:cNvPr id="3" name="Content Placeholder 2">
+            <a:extLst>
+              <a:ext uri="{FF2B5EF4-FFF2-40B4-BE49-F238E27FC236}">
+                <a16:creationId xmlns:a16="http://schemas.microsoft.com/office/drawing/2014/main" id="{30A04EA7-4641-1B47-A9CF-5C22A7654D2E}"/>
+              </a:ext>
+            </a:extLst>
+          </p:cNvPr>
+          <p:cNvSpPr>
+            <a:spLocks noGrp="1"/>
+          </p:cNvSpPr>
+          <p:nvPr>
+            <p:ph idx="1"/>
+          </p:nvPr>
+        </p:nvSpPr>
+        <p:spPr>
+          <a:xfrm>
+            <a:off x="818713" y="2413000"/>
+            <a:ext cx="5563643" cy="3632200"/>
+          </a:xfrm>
+        </p:spPr>
+        <p:txBody>
+          <a:bodyPr>
+            <a:normAutofit/>
+          </a:bodyPr>
+          <a:lstStyle/>
+          <a:p>
+            <a:pPr>
+              <a:buFont typeface="+mj-lt"/>
+              <a:buAutoNum type="arabicPeriod"/>
+            </a:pPr>
+            <a:r>
+              <a:rPr lang="en-US" sz="1600" dirty="0"/>
+              <a:t>Head to: </a:t>
+            </a:r>
+            <a:r>
+              <a:rPr lang="en-AU" sz="1600" b="1" dirty="0">
+                <a:hlinkClick r:id="rId3">
+                  <a:extLst>
+                    <a:ext uri="{A12FA001-AC4F-418D-AE19-62706E023703}">
+                      <ahyp:hlinkClr xmlns:ahyp="http://schemas.microsoft.com/office/drawing/2018/hyperlinkcolor" val="tx"/>
+                    </a:ext>
+                  </a:extLst>
+                </a:hlinkClick>
+              </a:rPr>
+              <a:t>https://aws.amazon.com/waf/preconfiguredrules/</a:t>
+            </a:r>
+            <a:endParaRPr lang="en-AU" sz="1600" b="1" dirty="0"/>
+          </a:p>
+          <a:p>
+            <a:pPr>
+              <a:buFont typeface="+mj-lt"/>
+              <a:buAutoNum type="arabicPeriod"/>
+            </a:pPr>
+            <a:r>
+              <a:rPr lang="en-AU" sz="1600" dirty="0"/>
+              <a:t>Click ‘Get Started with Pre-configured Protections’</a:t>
+            </a:r>
+          </a:p>
+          <a:p>
+            <a:pPr>
+              <a:buFont typeface="+mj-lt"/>
+              <a:buAutoNum type="arabicPeriod"/>
+            </a:pPr>
+            <a:r>
+              <a:rPr lang="en-AU" sz="1600" dirty="0"/>
+              <a:t>Click ‘View Deployment Guide’</a:t>
+            </a:r>
+          </a:p>
+          <a:p>
+            <a:pPr>
+              <a:buFont typeface="+mj-lt"/>
+              <a:buAutoNum type="arabicPeriod"/>
+            </a:pPr>
+            <a:r>
+              <a:rPr lang="en-AU" sz="1600" dirty="0"/>
+              <a:t>Click ‘Deployment’ from the left menu</a:t>
+            </a:r>
+          </a:p>
+          <a:p>
+            <a:pPr marL="0" indent="0">
+              <a:buNone/>
+            </a:pPr>
+            <a:endParaRPr lang="en-AU" sz="1600" dirty="0"/>
+          </a:p>
+          <a:p>
+            <a:pPr marL="0" indent="0">
+              <a:buNone/>
+            </a:pPr>
+            <a:r>
+              <a:rPr lang="en-AU" sz="1600" dirty="0"/>
+              <a:t>Let’s work through this together!</a:t>
+            </a:r>
+            <a:endParaRPr lang="en-US" sz="1600" dirty="0"/>
+          </a:p>
+        </p:txBody>
+      </p:sp>
+      <p:pic>
+        <p:nvPicPr>
+          <p:cNvPr id="8" name="Graphic 7">
+            <a:extLst>
+              <a:ext uri="{FF2B5EF4-FFF2-40B4-BE49-F238E27FC236}">
+                <a16:creationId xmlns:a16="http://schemas.microsoft.com/office/drawing/2014/main" id="{83342718-1C5D-4689-951E-6394AE89145A}"/>
+              </a:ext>
+            </a:extLst>
+          </p:cNvPr>
+          <p:cNvPicPr>
+            <a:picLocks noChangeAspect="1"/>
+          </p:cNvPicPr>
+          <p:nvPr/>
+        </p:nvPicPr>
+        <p:blipFill>
+          <a:blip r:embed="rId4"/>
+          <a:srcRect/>
+          <a:stretch/>
+        </p:blipFill>
+        <p:spPr>
+          <a:xfrm>
+            <a:off x="6382356" y="2681563"/>
+            <a:ext cx="3716338" cy="3179211"/>
+          </a:xfrm>
+          <a:prstGeom prst="roundRect">
+            <a:avLst>
+              <a:gd name="adj" fmla="val 3876"/>
+            </a:avLst>
+          </a:prstGeom>
+          <a:ln>
+            <a:solidFill>
+              <a:schemeClr val="accent1"/>
+            </a:solidFill>
+          </a:ln>
+          <a:effectLst/>
+        </p:spPr>
+      </p:pic>
+      <p:sp>
+        <p:nvSpPr>
+          <p:cNvPr id="4" name="Oval 3">
+            <a:extLst>
+              <a:ext uri="{FF2B5EF4-FFF2-40B4-BE49-F238E27FC236}">
+                <a16:creationId xmlns:a16="http://schemas.microsoft.com/office/drawing/2014/main" id="{D3A68A63-AABB-AC41-BB44-E22BD850D667}"/>
+              </a:ext>
+            </a:extLst>
+          </p:cNvPr>
+          <p:cNvSpPr/>
+          <p:nvPr/>
+        </p:nvSpPr>
+        <p:spPr>
+          <a:xfrm>
+            <a:off x="8736227" y="1124465"/>
+            <a:ext cx="3027405" cy="2780270"/>
+          </a:xfrm>
+          <a:prstGeom prst="ellipse">
+            <a:avLst/>
+          </a:prstGeom>
+        </p:spPr>
+        <p:style>
+          <a:lnRef idx="2">
+            <a:schemeClr val="accent1">
+              <a:shade val="50000"/>
+            </a:schemeClr>
+          </a:lnRef>
+          <a:fillRef idx="1">
+            <a:schemeClr val="accent1"/>
+          </a:fillRef>
+          <a:effectRef idx="0">
+            <a:schemeClr val="accent1"/>
+          </a:effectRef>
+          <a:fontRef idx="minor">
+            <a:schemeClr val="lt1"/>
+          </a:fontRef>
+        </p:style>
+        <p:txBody>
+          <a:bodyPr rtlCol="0" anchor="ctr"/>
+          <a:lstStyle/>
+          <a:p>
+            <a:pPr algn="ctr">
+              <a:spcAft>
+                <a:spcPts val="600"/>
+              </a:spcAft>
+            </a:pPr>
+            <a:r>
+              <a:rPr lang="en-US" dirty="0"/>
+              <a:t>Option!</a:t>
+            </a:r>
+            <a:endParaRPr lang="en-US"/>
+          </a:p>
+          <a:p>
+            <a:pPr algn="ctr">
+              <a:spcAft>
+                <a:spcPts val="600"/>
+              </a:spcAft>
+            </a:pPr>
+            <a:r>
+              <a:rPr lang="en-US" dirty="0"/>
+              <a:t>If you’d like to watch only, that’s cool as well and you can try this in your own time another time.</a:t>
+            </a:r>
+            <a:endParaRPr lang="en-US"/>
+          </a:p>
+        </p:txBody>
+      </p:sp>
+    </p:spTree>
+    <p:extLst>
+      <p:ext uri="{BB962C8B-B14F-4D97-AF65-F5344CB8AC3E}">
+        <p14:creationId xmlns:p14="http://schemas.microsoft.com/office/powerpoint/2010/main" val="3193815905"/>
+      </p:ext>
+    </p:extLst>
+  </p:cSld>
+  <p:clrMapOvr>
+    <a:masterClrMapping/>
+  </p:clrMapOvr>
+</p:sld>
+</file>
+
+<file path=ppt/slides/slide5.xml><?xml version="1.0" encoding="utf-8"?>
 <p:sld xmlns:a="http://schemas.openxmlformats.org/drawingml/2006/main" xmlns:r="http://schemas.openxmlformats.org/officeDocument/2006/relationships" xmlns:p="http://schemas.openxmlformats.org/presentationml/2006/main">
   <p:cSld>
     <p:bg>
@@ -12870,7 +13294,7 @@
             <p:ph idx="1"/>
             <p:extLst>
               <p:ext uri="{D42A27DB-BD31-4B8C-83A1-F6EECF244321}">
-                <p14:modId xmlns:p14="http://schemas.microsoft.com/office/powerpoint/2010/main" val="2888948663"/>
+                <p14:modId xmlns:p14="http://schemas.microsoft.com/office/powerpoint/2010/main" val="2292712457"/>
               </p:ext>
             </p:extLst>
           </p:nvPr>
